--- a/SASE_Technique_Workshop.pptx
+++ b/SASE_Technique_Workshop.pptx
@@ -3367,7 +3367,7 @@
           <a:p>
             <a:r>
               <a:rPr lang="en-US" dirty="0"/>
-              <a:t>SASE Technique Workshop</a:t>
+              <a:t>SASE Technical Workshop</a:t>
             </a:r>
           </a:p>
         </p:txBody>
@@ -3404,11 +3404,11 @@
             </a:r>
             <a:r>
               <a:rPr lang="en-US" baseline="30000" dirty="0"/>
-              <a:t>st</a:t>
+              <a:t>st </a:t>
             </a:r>
             <a:r>
               <a:rPr lang="en-US" dirty="0"/>
-              <a:t>workshop event</a:t>
+              <a:t>Workshop Event</a:t>
             </a:r>
           </a:p>
           <a:p>
@@ -3421,7 +3421,7 @@
           <a:p>
             <a:r>
               <a:rPr lang="en-US" dirty="0"/>
-              <a:t>(part1)</a:t>
+              <a:t>(part 1)</a:t>
             </a:r>
           </a:p>
         </p:txBody>
@@ -3507,13 +3507,13 @@
           <a:p>
             <a:r>
               <a:rPr lang="en-US" dirty="0"/>
-              <a:t>It’s a conditional statements. Decision making statement.</a:t>
+              <a:t>It’s a conditional statement. A decision making statement.</a:t>
             </a:r>
           </a:p>
           <a:p>
             <a:r>
               <a:rPr lang="en-US" dirty="0"/>
-              <a:t>It specify a block of code to be executed if the condition is satisfied/true.</a:t>
+              <a:t>It specifies a block of code to be executed if the condition is satisfied/true.</a:t>
             </a:r>
           </a:p>
           <a:p>
@@ -3947,7 +3947,7 @@
           <a:p>
             <a:r>
               <a:rPr lang="en-US" dirty="0"/>
-              <a:t>“else” code within this block would execute, if the above conditions not satisfied.</a:t>
+              <a:t>“else” code within this block would execute, if the above conditions are not satisfied.</a:t>
             </a:r>
           </a:p>
           <a:p>
@@ -4442,13 +4442,18 @@
           <a:p>
             <a:r>
               <a:rPr lang="en-US" dirty="0"/>
-              <a:t>Var, let, const.</a:t>
-            </a:r>
+              <a:t>Var, let, </a:t>
+            </a:r>
+            <a:r>
+              <a:rPr lang="en-US" dirty="0" err="1"/>
+              <a:t>const</a:t>
+            </a:r>
+            <a:endParaRPr lang="en-US" dirty="0"/>
           </a:p>
           <a:p>
             <a:r>
               <a:rPr lang="en-US" dirty="0"/>
-              <a:t>Var and let able to reassign the value within the variable. While const can’t</a:t>
+              <a:t>Var and let are able to reassign the value within the variable. While const can’t</a:t>
             </a:r>
           </a:p>
           <a:p>
@@ -4980,7 +4985,7 @@
           <a:p>
             <a:r>
               <a:rPr lang="en-US" dirty="0"/>
-              <a:t>We will be using Functions, condition statement (if-else statements) and variables for our calculator.</a:t>
+              <a:t>We will be using Functions, conditional statements (if-else statements) and variables for our calculator.</a:t>
             </a:r>
           </a:p>
         </p:txBody>
@@ -5252,6 +5257,36 @@
           </a:p>
         </p:txBody>
       </p:sp>
+      <p:pic>
+        <p:nvPicPr>
+          <p:cNvPr id="4" name="Picture 3">
+            <a:extLst>
+              <a:ext uri="{FF2B5EF4-FFF2-40B4-BE49-F238E27FC236}">
+                <a16:creationId xmlns:a16="http://schemas.microsoft.com/office/drawing/2014/main" id="{F0D103CA-3D38-FF40-8BFD-695EFC51FCD1}"/>
+              </a:ext>
+            </a:extLst>
+          </p:cNvPr>
+          <p:cNvPicPr>
+            <a:picLocks noChangeAspect="1"/>
+          </p:cNvPicPr>
+          <p:nvPr/>
+        </p:nvPicPr>
+        <p:blipFill>
+          <a:blip r:embed="rId2"/>
+          <a:stretch>
+            <a:fillRect/>
+          </a:stretch>
+        </p:blipFill>
+        <p:spPr>
+          <a:xfrm>
+            <a:off x="1352550" y="3429000"/>
+            <a:ext cx="8332720" cy="2131220"/>
+          </a:xfrm>
+          <a:prstGeom prst="rect">
+            <a:avLst/>
+          </a:prstGeom>
+        </p:spPr>
+      </p:pic>
     </p:spTree>
     <p:extLst>
       <p:ext uri="{BB962C8B-B14F-4D97-AF65-F5344CB8AC3E}">
@@ -5350,6 +5385,51 @@
                                               <p:pRg st="1" end="1"/>
                                             </p:txEl>
                                           </p:spTgt>
+                                        </p:tgtEl>
+                                        <p:attrNameLst>
+                                          <p:attrName>style.visibility</p:attrName>
+                                        </p:attrNameLst>
+                                      </p:cBhvr>
+                                      <p:to>
+                                        <p:strVal val="visible"/>
+                                      </p:to>
+                                    </p:set>
+                                  </p:childTnLst>
+                                </p:cTn>
+                              </p:par>
+                            </p:childTnLst>
+                          </p:cTn>
+                        </p:par>
+                      </p:childTnLst>
+                    </p:cTn>
+                  </p:par>
+                  <p:par>
+                    <p:cTn id="11" fill="hold">
+                      <p:stCondLst>
+                        <p:cond delay="indefinite"/>
+                      </p:stCondLst>
+                      <p:childTnLst>
+                        <p:par>
+                          <p:cTn id="12" fill="hold">
+                            <p:stCondLst>
+                              <p:cond delay="0"/>
+                            </p:stCondLst>
+                            <p:childTnLst>
+                              <p:par>
+                                <p:cTn id="13" presetID="1" presetClass="entr" presetSubtype="0" fill="hold" nodeType="clickEffect">
+                                  <p:stCondLst>
+                                    <p:cond delay="0"/>
+                                  </p:stCondLst>
+                                  <p:childTnLst>
+                                    <p:set>
+                                      <p:cBhvr>
+                                        <p:cTn id="14" dur="1" fill="hold">
+                                          <p:stCondLst>
+                                            <p:cond delay="0"/>
+                                          </p:stCondLst>
+                                        </p:cTn>
+                                        <p:tgtEl>
+                                          <p:spTgt spid="4"/>
                                         </p:tgtEl>
                                         <p:attrNameLst>
                                           <p:attrName>style.visibility</p:attrName>
@@ -6477,7 +6557,10 @@
           <a:bodyPr/>
           <a:lstStyle/>
           <a:p>
-            <a:endParaRPr lang="en-US" dirty="0"/>
+            <a:r>
+              <a:rPr lang="en-US" dirty="0"/>
+              <a:t>Introduction</a:t>
+            </a:r>
           </a:p>
         </p:txBody>
       </p:sp>
@@ -6502,12 +6585,9 @@
           <a:bodyPr/>
           <a:lstStyle/>
           <a:p>
-            <a:pPr marL="0" indent="0">
-              <a:buNone/>
-            </a:pPr>
             <a:r>
               <a:rPr lang="en-US" dirty="0"/>
-              <a:t>Today we going through the basic programming concepts. </a:t>
+              <a:t>Basic logics and syntax, and how to compile our scripts (codes).</a:t>
             </a:r>
           </a:p>
           <a:p>
@@ -6517,12 +6597,9 @@
             <a:endParaRPr lang="en-US" dirty="0"/>
           </a:p>
           <a:p>
-            <a:pPr marL="0" indent="0">
-              <a:buNone/>
-            </a:pPr>
             <a:r>
               <a:rPr lang="en-US" dirty="0"/>
-              <a:t>Basic logics and syntax, and how to compile our scripts(codes).</a:t>
+              <a:t>Working on a basic calculator code to get hands on experience.</a:t>
             </a:r>
           </a:p>
           <a:p>
@@ -6532,27 +6609,9 @@
             <a:endParaRPr lang="en-US" dirty="0"/>
           </a:p>
           <a:p>
-            <a:pPr marL="0" indent="0">
-              <a:buNone/>
-            </a:pPr>
             <a:r>
               <a:rPr lang="en-US" dirty="0"/>
-              <a:t>Working on a basic calculator coding to get hands on experience.</a:t>
-            </a:r>
-          </a:p>
-          <a:p>
-            <a:pPr marL="0" indent="0">
-              <a:buNone/>
-            </a:pPr>
-            <a:endParaRPr lang="en-US" dirty="0"/>
-          </a:p>
-          <a:p>
-            <a:pPr marL="0" indent="0">
-              <a:buNone/>
-            </a:pPr>
-            <a:r>
-              <a:rPr lang="en-US" dirty="0"/>
-              <a:t>Possibly go through a bit basic web application process.</a:t>
+              <a:t>Possibly go through a bit of basic web application process.</a:t>
             </a:r>
           </a:p>
         </p:txBody>
@@ -6722,55 +6781,6 @@
                       </p:childTnLst>
                     </p:cTn>
                   </p:par>
-                  <p:par>
-                    <p:cTn id="15" fill="hold">
-                      <p:stCondLst>
-                        <p:cond delay="indefinite"/>
-                      </p:stCondLst>
-                      <p:childTnLst>
-                        <p:par>
-                          <p:cTn id="16" fill="hold">
-                            <p:stCondLst>
-                              <p:cond delay="0"/>
-                            </p:stCondLst>
-                            <p:childTnLst>
-                              <p:par>
-                                <p:cTn id="17" presetID="1" presetClass="entr" presetSubtype="0" fill="hold" grpId="0" nodeType="clickEffect">
-                                  <p:stCondLst>
-                                    <p:cond delay="0"/>
-                                  </p:stCondLst>
-                                  <p:childTnLst>
-                                    <p:set>
-                                      <p:cBhvr>
-                                        <p:cTn id="18" dur="1" fill="hold">
-                                          <p:stCondLst>
-                                            <p:cond delay="0"/>
-                                          </p:stCondLst>
-                                        </p:cTn>
-                                        <p:tgtEl>
-                                          <p:spTgt spid="3">
-                                            <p:txEl>
-                                              <p:pRg st="6" end="6"/>
-                                            </p:txEl>
-                                          </p:spTgt>
-                                        </p:tgtEl>
-                                        <p:attrNameLst>
-                                          <p:attrName>style.visibility</p:attrName>
-                                        </p:attrNameLst>
-                                      </p:cBhvr>
-                                      <p:to>
-                                        <p:strVal val="visible"/>
-                                      </p:to>
-                                    </p:set>
-                                  </p:childTnLst>
-                                </p:cTn>
-                              </p:par>
-                            </p:childTnLst>
-                          </p:cTn>
-                        </p:par>
-                      </p:childTnLst>
-                    </p:cTn>
-                  </p:par>
                 </p:childTnLst>
               </p:cTn>
               <p:prevCondLst>
@@ -6879,7 +6889,7 @@
           <a:p>
             <a:r>
               <a:rPr lang="en-US" dirty="0"/>
-              <a:t>Compiler is a program that able to translate high-level language to a machine language that computer processors can use.</a:t>
+              <a:t>Compiler is a program that is able to translate high-level language to a machine language that computer processors can use.</a:t>
             </a:r>
           </a:p>
           <a:p>
@@ -6888,7 +6898,7 @@
           <a:p>
             <a:r>
               <a:rPr lang="en-US" dirty="0"/>
-              <a:t>High-level languages are programming language such as Java, Python, C, C++ that allow programmers to write program on.</a:t>
+              <a:t>High-level languages are programming languages such as Java, Python, C, C++ that allow programmers to write program on.</a:t>
             </a:r>
           </a:p>
           <a:p>
@@ -6897,7 +6907,7 @@
           <a:p>
             <a:r>
               <a:rPr lang="en-US" dirty="0"/>
-              <a:t>High-level languages is closer to human language so that it considered high-level.</a:t>
+              <a:t>High-level languages are closer to human languages so that’s why it’s considered high-level.</a:t>
             </a:r>
           </a:p>
           <a:p>
@@ -7231,7 +7241,7 @@
           <a:p>
             <a:r>
               <a:rPr lang="en-US" dirty="0"/>
-              <a:t>Nodejs uses V8 JavaScript engine developed by google, it able to compile JavaScript code.</a:t>
+              <a:t>Nodejs uses a V8 JavaScript engine developed by google, it is able to compile JavaScript code.</a:t>
             </a:r>
           </a:p>
           <a:p>
@@ -7260,6 +7270,20 @@
             <a:r>
               <a:rPr lang="en-US" dirty="0"/>
               <a:t>To check if Nodejs successfully installed, type “node --version” into command prompt</a:t>
+            </a:r>
+          </a:p>
+          <a:p>
+            <a:pPr lvl="1"/>
+            <a:r>
+              <a:rPr lang="en-US" dirty="0"/>
+              <a:t>For Mac users: go into Terminal</a:t>
+            </a:r>
+          </a:p>
+          <a:p>
+            <a:pPr lvl="1"/>
+            <a:r>
+              <a:rPr lang="en-US" dirty="0"/>
+              <a:t>For Windows: go into Command Prompt</a:t>
             </a:r>
           </a:p>
           <a:p>
@@ -7295,8 +7319,8 @@
         </p:blipFill>
         <p:spPr>
           <a:xfrm>
-            <a:off x="1152977" y="5372374"/>
-            <a:ext cx="5353050" cy="1114425"/>
+            <a:off x="6821112" y="5072175"/>
+            <a:ext cx="5204634" cy="1083527"/>
           </a:xfrm>
           <a:prstGeom prst="rect">
             <a:avLst/>
@@ -7511,6 +7535,68 @@
                                   </p:childTnLst>
                                 </p:cTn>
                               </p:par>
+                              <p:par>
+                                <p:cTn id="19" presetID="1" presetClass="entr" presetSubtype="0" fill="hold" grpId="0" nodeType="withEffect">
+                                  <p:stCondLst>
+                                    <p:cond delay="0"/>
+                                  </p:stCondLst>
+                                  <p:childTnLst>
+                                    <p:set>
+                                      <p:cBhvr>
+                                        <p:cTn id="20" dur="1" fill="hold">
+                                          <p:stCondLst>
+                                            <p:cond delay="0"/>
+                                          </p:stCondLst>
+                                        </p:cTn>
+                                        <p:tgtEl>
+                                          <p:spTgt spid="3">
+                                            <p:txEl>
+                                              <p:pRg st="4" end="4"/>
+                                            </p:txEl>
+                                          </p:spTgt>
+                                        </p:tgtEl>
+                                        <p:attrNameLst>
+                                          <p:attrName>style.visibility</p:attrName>
+                                        </p:attrNameLst>
+                                      </p:cBhvr>
+                                      <p:to>
+                                        <p:strVal val="visible"/>
+                                      </p:to>
+                                    </p:set>
+                                  </p:childTnLst>
+                                </p:cTn>
+                              </p:par>
+                              <p:par>
+                                <p:cTn id="21" presetID="1" presetClass="entr" presetSubtype="0" fill="hold" grpId="0" nodeType="withEffect">
+                                  <p:stCondLst>
+                                    <p:cond delay="0"/>
+                                  </p:stCondLst>
+                                  <p:childTnLst>
+                                    <p:set>
+                                      <p:cBhvr>
+                                        <p:cTn id="22" dur="1" fill="hold">
+                                          <p:stCondLst>
+                                            <p:cond delay="0"/>
+                                          </p:stCondLst>
+                                        </p:cTn>
+                                        <p:tgtEl>
+                                          <p:spTgt spid="3">
+                                            <p:txEl>
+                                              <p:pRg st="5" end="5"/>
+                                            </p:txEl>
+                                          </p:spTgt>
+                                        </p:tgtEl>
+                                        <p:attrNameLst>
+                                          <p:attrName>style.visibility</p:attrName>
+                                        </p:attrNameLst>
+                                      </p:cBhvr>
+                                      <p:to>
+                                        <p:strVal val="visible"/>
+                                      </p:to>
+                                    </p:set>
+                                  </p:childTnLst>
+                                </p:cTn>
+                              </p:par>
                             </p:childTnLst>
                           </p:cTn>
                         </p:par>
@@ -7518,26 +7604,26 @@
                     </p:cTn>
                   </p:par>
                   <p:par>
-                    <p:cTn id="19" fill="hold">
+                    <p:cTn id="23" fill="hold">
                       <p:stCondLst>
                         <p:cond delay="indefinite"/>
                       </p:stCondLst>
                       <p:childTnLst>
                         <p:par>
-                          <p:cTn id="20" fill="hold">
+                          <p:cTn id="24" fill="hold">
                             <p:stCondLst>
                               <p:cond delay="0"/>
                             </p:stCondLst>
                             <p:childTnLst>
                               <p:par>
-                                <p:cTn id="21" presetID="1" presetClass="entr" presetSubtype="0" fill="hold" nodeType="clickEffect">
+                                <p:cTn id="25" presetID="1" presetClass="entr" presetSubtype="0" fill="hold" nodeType="clickEffect">
                                   <p:stCondLst>
                                     <p:cond delay="0"/>
                                   </p:stCondLst>
                                   <p:childTnLst>
                                     <p:set>
                                       <p:cBhvr>
-                                        <p:cTn id="22" dur="1" fill="hold">
+                                        <p:cTn id="26" dur="1" fill="hold">
                                           <p:stCondLst>
                                             <p:cond delay="0"/>
                                           </p:stCondLst>
@@ -7665,7 +7751,7 @@
           <a:p>
             <a:r>
               <a:rPr lang="en-US" dirty="0"/>
-              <a:t>To run our scripts(codes), we first type in the name of compiler than the name of the scripts into the terminal.</a:t>
+              <a:t>To run our scripts (codes), we first type in the name of compiler than the name of the scripts into the terminal.</a:t>
             </a:r>
           </a:p>
           <a:p>
@@ -7677,13 +7763,13 @@
           <a:p>
             <a:r>
               <a:rPr lang="en-US" dirty="0"/>
-              <a:t>(Demo) “Hello.js” by creating a new scripts, and run the compiler to compile the scripts in terminal.</a:t>
+              <a:t>(Demo) “Hello.js” by creating a new scripts, and run the compiler to compile the scripts into terminal.</a:t>
             </a:r>
           </a:p>
           <a:p>
             <a:r>
               <a:rPr lang="en-US" dirty="0"/>
-              <a:t>Explain the codes in the following slides.</a:t>
+              <a:t>I will explain the codes in the following slides.</a:t>
             </a:r>
           </a:p>
         </p:txBody>
@@ -7998,7 +8084,7 @@
           <a:p>
             <a:r>
               <a:rPr lang="en-US" dirty="0"/>
-              <a:t>Functions are set of instructions/statements that performs a task or to achieve some outcomes.</a:t>
+              <a:t>Functions are sets of instructions/statements that performs a task to achieve some outcomes.</a:t>
             </a:r>
           </a:p>
           <a:p>
@@ -8052,7 +8138,7 @@
         </p:blipFill>
         <p:spPr>
           <a:xfrm>
-            <a:off x="2011003" y="3816737"/>
+            <a:off x="2011003" y="3681800"/>
             <a:ext cx="6914883" cy="1992301"/>
           </a:xfrm>
           <a:prstGeom prst="rect">
@@ -8624,13 +8710,13 @@
           <a:p>
             <a:r>
               <a:rPr lang="en-US" dirty="0"/>
-              <a:t>Syntax – set of rules that correctly structure statements in a language such that programming language about to correctly compile.</a:t>
+              <a:t>Syntax – set of rules that correctly structure statements in a language such that the programming language can correctly compile.</a:t>
             </a:r>
           </a:p>
           <a:p>
             <a:r>
               <a:rPr lang="en-US" dirty="0"/>
-              <a:t>JavaScript function syntax – first constructed with “function” keyword, (2rd)then function name after it</a:t>
+              <a:t>JavaScript function syntax – first constructed with “function” keyword, (2nd) then function name after it</a:t>
             </a:r>
           </a:p>
           <a:p>
@@ -8650,7 +8736,7 @@
           <a:p>
             <a:r>
               <a:rPr lang="en-US" dirty="0"/>
-              <a:t>4</a:t>
+              <a:t>(Demo) 4</a:t>
             </a:r>
             <a:r>
               <a:rPr lang="en-US" baseline="30000" dirty="0"/>

--- a/SASE_Technique_Workshop.pptx
+++ b/SASE_Technique_Workshop.pptx
@@ -9,21 +9,22 @@
     <p:sldId id="269" r:id="rId3"/>
     <p:sldId id="257" r:id="rId4"/>
     <p:sldId id="258" r:id="rId5"/>
-    <p:sldId id="273" r:id="rId6"/>
-    <p:sldId id="259" r:id="rId7"/>
-    <p:sldId id="270" r:id="rId8"/>
-    <p:sldId id="260" r:id="rId9"/>
-    <p:sldId id="261" r:id="rId10"/>
-    <p:sldId id="262" r:id="rId11"/>
-    <p:sldId id="263" r:id="rId12"/>
-    <p:sldId id="264" r:id="rId13"/>
-    <p:sldId id="265" r:id="rId14"/>
-    <p:sldId id="268" r:id="rId15"/>
-    <p:sldId id="266" r:id="rId16"/>
-    <p:sldId id="272" r:id="rId17"/>
-    <p:sldId id="271" r:id="rId18"/>
-    <p:sldId id="275" r:id="rId19"/>
-    <p:sldId id="274" r:id="rId20"/>
+    <p:sldId id="276" r:id="rId6"/>
+    <p:sldId id="273" r:id="rId7"/>
+    <p:sldId id="259" r:id="rId8"/>
+    <p:sldId id="270" r:id="rId9"/>
+    <p:sldId id="260" r:id="rId10"/>
+    <p:sldId id="261" r:id="rId11"/>
+    <p:sldId id="262" r:id="rId12"/>
+    <p:sldId id="263" r:id="rId13"/>
+    <p:sldId id="264" r:id="rId14"/>
+    <p:sldId id="265" r:id="rId15"/>
+    <p:sldId id="268" r:id="rId16"/>
+    <p:sldId id="266" r:id="rId17"/>
+    <p:sldId id="272" r:id="rId18"/>
+    <p:sldId id="271" r:id="rId19"/>
+    <p:sldId id="275" r:id="rId20"/>
+    <p:sldId id="274" r:id="rId21"/>
   </p:sldIdLst>
   <p:sldSz cx="12192000" cy="6858000"/>
   <p:notesSz cx="6858000" cy="9144000"/>
@@ -277,7 +278,7 @@
           <a:p>
             <a:fld id="{FD8CD693-1F08-4795-B539-060B09E63D08}" type="datetimeFigureOut">
               <a:rPr lang="en-US" smtClean="0"/>
-              <a:t>10/12/21</a:t>
+              <a:t>10/13/21</a:t>
             </a:fld>
             <a:endParaRPr lang="en-US"/>
           </a:p>
@@ -475,7 +476,7 @@
           <a:p>
             <a:fld id="{FD8CD693-1F08-4795-B539-060B09E63D08}" type="datetimeFigureOut">
               <a:rPr lang="en-US" smtClean="0"/>
-              <a:t>10/12/21</a:t>
+              <a:t>10/13/21</a:t>
             </a:fld>
             <a:endParaRPr lang="en-US"/>
           </a:p>
@@ -683,7 +684,7 @@
           <a:p>
             <a:fld id="{FD8CD693-1F08-4795-B539-060B09E63D08}" type="datetimeFigureOut">
               <a:rPr lang="en-US" smtClean="0"/>
-              <a:t>10/12/21</a:t>
+              <a:t>10/13/21</a:t>
             </a:fld>
             <a:endParaRPr lang="en-US"/>
           </a:p>
@@ -881,7 +882,7 @@
           <a:p>
             <a:fld id="{FD8CD693-1F08-4795-B539-060B09E63D08}" type="datetimeFigureOut">
               <a:rPr lang="en-US" smtClean="0"/>
-              <a:t>10/12/21</a:t>
+              <a:t>10/13/21</a:t>
             </a:fld>
             <a:endParaRPr lang="en-US"/>
           </a:p>
@@ -1156,7 +1157,7 @@
           <a:p>
             <a:fld id="{FD8CD693-1F08-4795-B539-060B09E63D08}" type="datetimeFigureOut">
               <a:rPr lang="en-US" smtClean="0"/>
-              <a:t>10/12/21</a:t>
+              <a:t>10/13/21</a:t>
             </a:fld>
             <a:endParaRPr lang="en-US"/>
           </a:p>
@@ -1421,7 +1422,7 @@
           <a:p>
             <a:fld id="{FD8CD693-1F08-4795-B539-060B09E63D08}" type="datetimeFigureOut">
               <a:rPr lang="en-US" smtClean="0"/>
-              <a:t>10/12/21</a:t>
+              <a:t>10/13/21</a:t>
             </a:fld>
             <a:endParaRPr lang="en-US"/>
           </a:p>
@@ -1833,7 +1834,7 @@
           <a:p>
             <a:fld id="{FD8CD693-1F08-4795-B539-060B09E63D08}" type="datetimeFigureOut">
               <a:rPr lang="en-US" smtClean="0"/>
-              <a:t>10/12/21</a:t>
+              <a:t>10/13/21</a:t>
             </a:fld>
             <a:endParaRPr lang="en-US"/>
           </a:p>
@@ -1974,7 +1975,7 @@
           <a:p>
             <a:fld id="{FD8CD693-1F08-4795-B539-060B09E63D08}" type="datetimeFigureOut">
               <a:rPr lang="en-US" smtClean="0"/>
-              <a:t>10/12/21</a:t>
+              <a:t>10/13/21</a:t>
             </a:fld>
             <a:endParaRPr lang="en-US"/>
           </a:p>
@@ -2087,7 +2088,7 @@
           <a:p>
             <a:fld id="{FD8CD693-1F08-4795-B539-060B09E63D08}" type="datetimeFigureOut">
               <a:rPr lang="en-US" smtClean="0"/>
-              <a:t>10/12/21</a:t>
+              <a:t>10/13/21</a:t>
             </a:fld>
             <a:endParaRPr lang="en-US"/>
           </a:p>
@@ -2398,7 +2399,7 @@
           <a:p>
             <a:fld id="{FD8CD693-1F08-4795-B539-060B09E63D08}" type="datetimeFigureOut">
               <a:rPr lang="en-US" smtClean="0"/>
-              <a:t>10/12/21</a:t>
+              <a:t>10/13/21</a:t>
             </a:fld>
             <a:endParaRPr lang="en-US"/>
           </a:p>
@@ -2686,7 +2687,7 @@
           <a:p>
             <a:fld id="{FD8CD693-1F08-4795-B539-060B09E63D08}" type="datetimeFigureOut">
               <a:rPr lang="en-US" smtClean="0"/>
-              <a:t>10/12/21</a:t>
+              <a:t>10/13/21</a:t>
             </a:fld>
             <a:endParaRPr lang="en-US"/>
           </a:p>
@@ -2927,7 +2928,7 @@
           <a:p>
             <a:fld id="{FD8CD693-1F08-4795-B539-060B09E63D08}" type="datetimeFigureOut">
               <a:rPr lang="en-US" smtClean="0"/>
-              <a:t>10/12/21</a:t>
+              <a:t>10/13/21</a:t>
             </a:fld>
             <a:endParaRPr lang="en-US"/>
           </a:p>
@@ -3461,7 +3462,7 @@
           <p:cNvPr id="2" name="Title 1">
             <a:extLst>
               <a:ext uri="{FF2B5EF4-FFF2-40B4-BE49-F238E27FC236}">
-                <a16:creationId xmlns:a16="http://schemas.microsoft.com/office/drawing/2014/main" id="{E989A0EF-2921-4612-A747-D18E74629E09}"/>
+                <a16:creationId xmlns:a16="http://schemas.microsoft.com/office/drawing/2014/main" id="{B0A12320-A172-4D55-B95F-EDF92C5A4B46}"/>
               </a:ext>
             </a:extLst>
           </p:cNvPr>
@@ -3472,388 +3473,41 @@
             <p:ph type="title"/>
           </p:nvPr>
         </p:nvSpPr>
-        <p:spPr/>
+        <p:spPr>
+          <a:xfrm>
+            <a:off x="838200" y="2766218"/>
+            <a:ext cx="10515600" cy="1325563"/>
+          </a:xfrm>
+        </p:spPr>
         <p:txBody>
           <a:bodyPr/>
           <a:lstStyle/>
           <a:p>
+            <a:pPr algn="ctr"/>
             <a:r>
               <a:rPr lang="en-US" dirty="0"/>
-              <a:t>if statement</a:t>
+              <a:t>Questions?</a:t>
+            </a:r>
+            <a:br>
+              <a:rPr lang="en-US" dirty="0"/>
+            </a:br>
+            <a:r>
+              <a:rPr lang="en-US" sz="2000" dirty="0"/>
+              <a:t>(more demo if needed)</a:t>
             </a:r>
           </a:p>
         </p:txBody>
       </p:sp>
-      <p:sp>
-        <p:nvSpPr>
-          <p:cNvPr id="3" name="Content Placeholder 2">
-            <a:extLst>
-              <a:ext uri="{FF2B5EF4-FFF2-40B4-BE49-F238E27FC236}">
-                <a16:creationId xmlns:a16="http://schemas.microsoft.com/office/drawing/2014/main" id="{C2B61019-7C7B-4120-A10A-1E765CD03AA9}"/>
-              </a:ext>
-            </a:extLst>
-          </p:cNvPr>
-          <p:cNvSpPr>
-            <a:spLocks noGrp="1"/>
-          </p:cNvSpPr>
-          <p:nvPr>
-            <p:ph idx="1"/>
-          </p:nvPr>
-        </p:nvSpPr>
-        <p:spPr/>
-        <p:txBody>
-          <a:bodyPr/>
-          <a:lstStyle/>
-          <a:p>
-            <a:r>
-              <a:rPr lang="en-US" dirty="0"/>
-              <a:t>It’s a conditional statement. A decision making statement.</a:t>
-            </a:r>
-          </a:p>
-          <a:p>
-            <a:r>
-              <a:rPr lang="en-US" dirty="0"/>
-              <a:t>It specifies a block of code to be executed if the condition is satisfied/true.</a:t>
-            </a:r>
-          </a:p>
-          <a:p>
-            <a:r>
-              <a:rPr lang="en-US" dirty="0" err="1"/>
-              <a:t>Eg.</a:t>
-            </a:r>
-            <a:r>
-              <a:rPr lang="en-US" dirty="0"/>
-              <a:t> If(condition){block of code.}</a:t>
-            </a:r>
-          </a:p>
-          <a:p>
-            <a:r>
-              <a:rPr lang="en-US" dirty="0"/>
-              <a:t>DEMO the following code</a:t>
-            </a:r>
-          </a:p>
-        </p:txBody>
-      </p:sp>
-      <p:pic>
-        <p:nvPicPr>
-          <p:cNvPr id="5" name="Picture 4" descr="Text&#10;&#10;Description automatically generated">
-            <a:extLst>
-              <a:ext uri="{FF2B5EF4-FFF2-40B4-BE49-F238E27FC236}">
-                <a16:creationId xmlns:a16="http://schemas.microsoft.com/office/drawing/2014/main" id="{F343CAD7-08F6-48D2-BDF6-08B2FEB73409}"/>
-              </a:ext>
-            </a:extLst>
-          </p:cNvPr>
-          <p:cNvPicPr>
-            <a:picLocks noChangeAspect="1"/>
-          </p:cNvPicPr>
-          <p:nvPr/>
-        </p:nvPicPr>
-        <p:blipFill>
-          <a:blip r:embed="rId2">
-            <a:extLst>
-              <a:ext uri="{28A0092B-C50C-407E-A947-70E740481C1C}">
-                <a14:useLocalDpi xmlns:a14="http://schemas.microsoft.com/office/drawing/2010/main" val="0"/>
-              </a:ext>
-            </a:extLst>
-          </a:blip>
-          <a:stretch>
-            <a:fillRect/>
-          </a:stretch>
-        </p:blipFill>
-        <p:spPr>
-          <a:xfrm>
-            <a:off x="2435223" y="4291941"/>
-            <a:ext cx="6557948" cy="2406458"/>
-          </a:xfrm>
-          <a:prstGeom prst="rect">
-            <a:avLst/>
-          </a:prstGeom>
-        </p:spPr>
-      </p:pic>
     </p:spTree>
     <p:extLst>
       <p:ext uri="{BB962C8B-B14F-4D97-AF65-F5344CB8AC3E}">
-        <p14:creationId xmlns:p14="http://schemas.microsoft.com/office/powerpoint/2010/main" val="2102637384"/>
+        <p14:creationId xmlns:p14="http://schemas.microsoft.com/office/powerpoint/2010/main" val="3046765685"/>
       </p:ext>
     </p:extLst>
   </p:cSld>
   <p:clrMapOvr>
     <a:masterClrMapping/>
   </p:clrMapOvr>
-  <p:timing>
-    <p:tnLst>
-      <p:par>
-        <p:cTn id="1" dur="indefinite" restart="never" nodeType="tmRoot">
-          <p:childTnLst>
-            <p:seq concurrent="1" nextAc="seek">
-              <p:cTn id="2" dur="indefinite" nodeType="mainSeq">
-                <p:childTnLst>
-                  <p:par>
-                    <p:cTn id="3" fill="hold">
-                      <p:stCondLst>
-                        <p:cond delay="indefinite"/>
-                      </p:stCondLst>
-                      <p:childTnLst>
-                        <p:par>
-                          <p:cTn id="4" fill="hold">
-                            <p:stCondLst>
-                              <p:cond delay="0"/>
-                            </p:stCondLst>
-                            <p:childTnLst>
-                              <p:par>
-                                <p:cTn id="5" presetID="1" presetClass="entr" presetSubtype="0" fill="hold" grpId="0" nodeType="clickEffect">
-                                  <p:stCondLst>
-                                    <p:cond delay="0"/>
-                                  </p:stCondLst>
-                                  <p:childTnLst>
-                                    <p:set>
-                                      <p:cBhvr>
-                                        <p:cTn id="6" dur="1" fill="hold">
-                                          <p:stCondLst>
-                                            <p:cond delay="0"/>
-                                          </p:stCondLst>
-                                        </p:cTn>
-                                        <p:tgtEl>
-                                          <p:spTgt spid="3">
-                                            <p:txEl>
-                                              <p:pRg st="0" end="0"/>
-                                            </p:txEl>
-                                          </p:spTgt>
-                                        </p:tgtEl>
-                                        <p:attrNameLst>
-                                          <p:attrName>style.visibility</p:attrName>
-                                        </p:attrNameLst>
-                                      </p:cBhvr>
-                                      <p:to>
-                                        <p:strVal val="visible"/>
-                                      </p:to>
-                                    </p:set>
-                                  </p:childTnLst>
-                                </p:cTn>
-                              </p:par>
-                            </p:childTnLst>
-                          </p:cTn>
-                        </p:par>
-                      </p:childTnLst>
-                    </p:cTn>
-                  </p:par>
-                  <p:par>
-                    <p:cTn id="7" fill="hold">
-                      <p:stCondLst>
-                        <p:cond delay="indefinite"/>
-                      </p:stCondLst>
-                      <p:childTnLst>
-                        <p:par>
-                          <p:cTn id="8" fill="hold">
-                            <p:stCondLst>
-                              <p:cond delay="0"/>
-                            </p:stCondLst>
-                            <p:childTnLst>
-                              <p:par>
-                                <p:cTn id="9" presetID="1" presetClass="entr" presetSubtype="0" fill="hold" grpId="0" nodeType="clickEffect">
-                                  <p:stCondLst>
-                                    <p:cond delay="0"/>
-                                  </p:stCondLst>
-                                  <p:childTnLst>
-                                    <p:set>
-                                      <p:cBhvr>
-                                        <p:cTn id="10" dur="1" fill="hold">
-                                          <p:stCondLst>
-                                            <p:cond delay="0"/>
-                                          </p:stCondLst>
-                                        </p:cTn>
-                                        <p:tgtEl>
-                                          <p:spTgt spid="3">
-                                            <p:txEl>
-                                              <p:pRg st="1" end="1"/>
-                                            </p:txEl>
-                                          </p:spTgt>
-                                        </p:tgtEl>
-                                        <p:attrNameLst>
-                                          <p:attrName>style.visibility</p:attrName>
-                                        </p:attrNameLst>
-                                      </p:cBhvr>
-                                      <p:to>
-                                        <p:strVal val="visible"/>
-                                      </p:to>
-                                    </p:set>
-                                  </p:childTnLst>
-                                </p:cTn>
-                              </p:par>
-                            </p:childTnLst>
-                          </p:cTn>
-                        </p:par>
-                      </p:childTnLst>
-                    </p:cTn>
-                  </p:par>
-                  <p:par>
-                    <p:cTn id="11" fill="hold">
-                      <p:stCondLst>
-                        <p:cond delay="indefinite"/>
-                      </p:stCondLst>
-                      <p:childTnLst>
-                        <p:par>
-                          <p:cTn id="12" fill="hold">
-                            <p:stCondLst>
-                              <p:cond delay="0"/>
-                            </p:stCondLst>
-                            <p:childTnLst>
-                              <p:par>
-                                <p:cTn id="13" presetID="1" presetClass="entr" presetSubtype="0" fill="hold" grpId="0" nodeType="clickEffect">
-                                  <p:stCondLst>
-                                    <p:cond delay="0"/>
-                                  </p:stCondLst>
-                                  <p:childTnLst>
-                                    <p:set>
-                                      <p:cBhvr>
-                                        <p:cTn id="14" dur="1" fill="hold">
-                                          <p:stCondLst>
-                                            <p:cond delay="0"/>
-                                          </p:stCondLst>
-                                        </p:cTn>
-                                        <p:tgtEl>
-                                          <p:spTgt spid="3">
-                                            <p:txEl>
-                                              <p:pRg st="2" end="2"/>
-                                            </p:txEl>
-                                          </p:spTgt>
-                                        </p:tgtEl>
-                                        <p:attrNameLst>
-                                          <p:attrName>style.visibility</p:attrName>
-                                        </p:attrNameLst>
-                                      </p:cBhvr>
-                                      <p:to>
-                                        <p:strVal val="visible"/>
-                                      </p:to>
-                                    </p:set>
-                                  </p:childTnLst>
-                                </p:cTn>
-                              </p:par>
-                            </p:childTnLst>
-                          </p:cTn>
-                        </p:par>
-                      </p:childTnLst>
-                    </p:cTn>
-                  </p:par>
-                  <p:par>
-                    <p:cTn id="15" fill="hold">
-                      <p:stCondLst>
-                        <p:cond delay="indefinite"/>
-                      </p:stCondLst>
-                      <p:childTnLst>
-                        <p:par>
-                          <p:cTn id="16" fill="hold">
-                            <p:stCondLst>
-                              <p:cond delay="0"/>
-                            </p:stCondLst>
-                            <p:childTnLst>
-                              <p:par>
-                                <p:cTn id="17" presetID="1" presetClass="entr" presetSubtype="0" fill="hold" grpId="0" nodeType="clickEffect">
-                                  <p:stCondLst>
-                                    <p:cond delay="0"/>
-                                  </p:stCondLst>
-                                  <p:childTnLst>
-                                    <p:set>
-                                      <p:cBhvr>
-                                        <p:cTn id="18" dur="1" fill="hold">
-                                          <p:stCondLst>
-                                            <p:cond delay="0"/>
-                                          </p:stCondLst>
-                                        </p:cTn>
-                                        <p:tgtEl>
-                                          <p:spTgt spid="3">
-                                            <p:txEl>
-                                              <p:pRg st="3" end="3"/>
-                                            </p:txEl>
-                                          </p:spTgt>
-                                        </p:tgtEl>
-                                        <p:attrNameLst>
-                                          <p:attrName>style.visibility</p:attrName>
-                                        </p:attrNameLst>
-                                      </p:cBhvr>
-                                      <p:to>
-                                        <p:strVal val="visible"/>
-                                      </p:to>
-                                    </p:set>
-                                  </p:childTnLst>
-                                </p:cTn>
-                              </p:par>
-                            </p:childTnLst>
-                          </p:cTn>
-                        </p:par>
-                      </p:childTnLst>
-                    </p:cTn>
-                  </p:par>
-                  <p:par>
-                    <p:cTn id="19" fill="hold">
-                      <p:stCondLst>
-                        <p:cond delay="indefinite"/>
-                      </p:stCondLst>
-                      <p:childTnLst>
-                        <p:par>
-                          <p:cTn id="20" fill="hold">
-                            <p:stCondLst>
-                              <p:cond delay="0"/>
-                            </p:stCondLst>
-                            <p:childTnLst>
-                              <p:par>
-                                <p:cTn id="21" presetID="1" presetClass="entr" presetSubtype="0" fill="hold" nodeType="clickEffect">
-                                  <p:stCondLst>
-                                    <p:cond delay="0"/>
-                                  </p:stCondLst>
-                                  <p:childTnLst>
-                                    <p:set>
-                                      <p:cBhvr>
-                                        <p:cTn id="22" dur="1" fill="hold">
-                                          <p:stCondLst>
-                                            <p:cond delay="0"/>
-                                          </p:stCondLst>
-                                        </p:cTn>
-                                        <p:tgtEl>
-                                          <p:spTgt spid="5"/>
-                                        </p:tgtEl>
-                                        <p:attrNameLst>
-                                          <p:attrName>style.visibility</p:attrName>
-                                        </p:attrNameLst>
-                                      </p:cBhvr>
-                                      <p:to>
-                                        <p:strVal val="visible"/>
-                                      </p:to>
-                                    </p:set>
-                                  </p:childTnLst>
-                                </p:cTn>
-                              </p:par>
-                            </p:childTnLst>
-                          </p:cTn>
-                        </p:par>
-                      </p:childTnLst>
-                    </p:cTn>
-                  </p:par>
-                </p:childTnLst>
-              </p:cTn>
-              <p:prevCondLst>
-                <p:cond evt="onPrev" delay="0">
-                  <p:tgtEl>
-                    <p:sldTgt/>
-                  </p:tgtEl>
-                </p:cond>
-              </p:prevCondLst>
-              <p:nextCondLst>
-                <p:cond evt="onNext" delay="0">
-                  <p:tgtEl>
-                    <p:sldTgt/>
-                  </p:tgtEl>
-                </p:cond>
-              </p:nextCondLst>
-            </p:seq>
-          </p:childTnLst>
-        </p:cTn>
-      </p:par>
-    </p:tnLst>
-    <p:bldLst>
-      <p:bldP spid="3" grpId="0" build="p"/>
-    </p:bldLst>
-  </p:timing>
 </p:sld>
 </file>
 
@@ -3879,7 +3533,7 @@
           <p:cNvPr id="2" name="Title 1">
             <a:extLst>
               <a:ext uri="{FF2B5EF4-FFF2-40B4-BE49-F238E27FC236}">
-                <a16:creationId xmlns:a16="http://schemas.microsoft.com/office/drawing/2014/main" id="{438B7F67-A500-45EC-A0DD-6398810699FE}"/>
+                <a16:creationId xmlns:a16="http://schemas.microsoft.com/office/drawing/2014/main" id="{E989A0EF-2921-4612-A747-D18E74629E09}"/>
               </a:ext>
             </a:extLst>
           </p:cNvPr>
@@ -3890,19 +3544,14 @@
             <p:ph type="title"/>
           </p:nvPr>
         </p:nvSpPr>
-        <p:spPr>
-          <a:xfrm>
-            <a:off x="838200" y="105779"/>
-            <a:ext cx="10515600" cy="1325563"/>
-          </a:xfrm>
-        </p:spPr>
+        <p:spPr/>
         <p:txBody>
           <a:bodyPr/>
           <a:lstStyle/>
           <a:p>
             <a:r>
               <a:rPr lang="en-US" dirty="0"/>
-              <a:t>If, else if, else</a:t>
+              <a:t>if statement</a:t>
             </a:r>
           </a:p>
         </p:txBody>
@@ -3912,7 +3561,7 @@
           <p:cNvPr id="3" name="Content Placeholder 2">
             <a:extLst>
               <a:ext uri="{FF2B5EF4-FFF2-40B4-BE49-F238E27FC236}">
-                <a16:creationId xmlns:a16="http://schemas.microsoft.com/office/drawing/2014/main" id="{855E8E02-D898-4D11-945F-BCB462E6DC0D}"/>
+                <a16:creationId xmlns:a16="http://schemas.microsoft.com/office/drawing/2014/main" id="{C2B61019-7C7B-4120-A10A-1E765CD03AA9}"/>
               </a:ext>
             </a:extLst>
           </p:cNvPr>
@@ -3923,47 +3572,46 @@
             <p:ph idx="1"/>
           </p:nvPr>
         </p:nvSpPr>
-        <p:spPr>
-          <a:xfrm>
-            <a:off x="838200" y="1253331"/>
-            <a:ext cx="10515600" cy="4351338"/>
-          </a:xfrm>
-        </p:spPr>
+        <p:spPr/>
         <p:txBody>
           <a:bodyPr/>
           <a:lstStyle/>
           <a:p>
             <a:r>
               <a:rPr lang="en-US" dirty="0"/>
-              <a:t>“if” would execute a block of code if the condition is true</a:t>
+              <a:t>It’s a conditional statement. A decision making statement.</a:t>
             </a:r>
           </a:p>
           <a:p>
             <a:r>
               <a:rPr lang="en-US" dirty="0"/>
-              <a:t>“else if” would setup a new condition, if the first “if” is false</a:t>
-            </a:r>
-          </a:p>
-          <a:p>
+              <a:t>It specifies a block of code to be executed if the condition is satisfied/true.</a:t>
+            </a:r>
+          </a:p>
+          <a:p>
+            <a:r>
+              <a:rPr lang="en-US" dirty="0" err="1"/>
+              <a:t>Eg.</a:t>
+            </a:r>
             <a:r>
               <a:rPr lang="en-US" dirty="0"/>
-              <a:t>“else” code within this block would execute, if the above conditions are not satisfied.</a:t>
+              <a:t> If(condition){block of code.}</a:t>
             </a:r>
           </a:p>
           <a:p>
             <a:r>
               <a:rPr lang="en-US" dirty="0"/>
-              <a:t>Demo</a:t>
+              <a:t>DEMO the following code</a:t>
             </a:r>
           </a:p>
         </p:txBody>
       </p:sp>
       <p:pic>
         <p:nvPicPr>
-          <p:cNvPr id="5" name="Picture 4" descr="A screenshot of a computer&#10;&#10;Description automatically generated with medium confidence">
-            <a:extLst>
-              <a:ext uri="{FF2B5EF4-FFF2-40B4-BE49-F238E27FC236}">
-                <a16:creationId xmlns:a16="http://schemas.microsoft.com/office/drawing/2014/main" id="{640460F3-3E6D-463F-9483-887B762DE21E}"/>
+          <p:cNvPr id="5" name="Picture 4" descr="Text&#10;&#10;Description automatically generated">
+            <a:extLst>
+              <a:ext uri="{FF2B5EF4-FFF2-40B4-BE49-F238E27FC236}">
+                <a16:creationId xmlns:a16="http://schemas.microsoft.com/office/drawing/2014/main" id="{F343CAD7-08F6-48D2-BDF6-08B2FEB73409}"/>
               </a:ext>
             </a:extLst>
           </p:cNvPr>
@@ -3986,8 +3634,8 @@
         </p:blipFill>
         <p:spPr>
           <a:xfrm>
-            <a:off x="2314717" y="3698391"/>
-            <a:ext cx="5735774" cy="2928002"/>
+            <a:off x="2435223" y="4291941"/>
+            <a:ext cx="6557948" cy="2406458"/>
           </a:xfrm>
           <a:prstGeom prst="rect">
             <a:avLst/>
@@ -3997,7 +3645,7 @@
     </p:spTree>
     <p:extLst>
       <p:ext uri="{BB962C8B-B14F-4D97-AF65-F5344CB8AC3E}">
-        <p14:creationId xmlns:p14="http://schemas.microsoft.com/office/powerpoint/2010/main" val="4234017641"/>
+        <p14:creationId xmlns:p14="http://schemas.microsoft.com/office/powerpoint/2010/main" val="2102637384"/>
       </p:ext>
     </p:extLst>
   </p:cSld>
@@ -4303,6 +3951,430 @@
           <p:cNvPr id="2" name="Title 1">
             <a:extLst>
               <a:ext uri="{FF2B5EF4-FFF2-40B4-BE49-F238E27FC236}">
+                <a16:creationId xmlns:a16="http://schemas.microsoft.com/office/drawing/2014/main" id="{438B7F67-A500-45EC-A0DD-6398810699FE}"/>
+              </a:ext>
+            </a:extLst>
+          </p:cNvPr>
+          <p:cNvSpPr>
+            <a:spLocks noGrp="1"/>
+          </p:cNvSpPr>
+          <p:nvPr>
+            <p:ph type="title"/>
+          </p:nvPr>
+        </p:nvSpPr>
+        <p:spPr>
+          <a:xfrm>
+            <a:off x="838200" y="105779"/>
+            <a:ext cx="10515600" cy="1325563"/>
+          </a:xfrm>
+        </p:spPr>
+        <p:txBody>
+          <a:bodyPr/>
+          <a:lstStyle/>
+          <a:p>
+            <a:r>
+              <a:rPr lang="en-US" dirty="0"/>
+              <a:t>If, else if, else</a:t>
+            </a:r>
+          </a:p>
+        </p:txBody>
+      </p:sp>
+      <p:sp>
+        <p:nvSpPr>
+          <p:cNvPr id="3" name="Content Placeholder 2">
+            <a:extLst>
+              <a:ext uri="{FF2B5EF4-FFF2-40B4-BE49-F238E27FC236}">
+                <a16:creationId xmlns:a16="http://schemas.microsoft.com/office/drawing/2014/main" id="{855E8E02-D898-4D11-945F-BCB462E6DC0D}"/>
+              </a:ext>
+            </a:extLst>
+          </p:cNvPr>
+          <p:cNvSpPr>
+            <a:spLocks noGrp="1"/>
+          </p:cNvSpPr>
+          <p:nvPr>
+            <p:ph idx="1"/>
+          </p:nvPr>
+        </p:nvSpPr>
+        <p:spPr>
+          <a:xfrm>
+            <a:off x="838200" y="1253331"/>
+            <a:ext cx="10515600" cy="4351338"/>
+          </a:xfrm>
+        </p:spPr>
+        <p:txBody>
+          <a:bodyPr/>
+          <a:lstStyle/>
+          <a:p>
+            <a:r>
+              <a:rPr lang="en-US" dirty="0"/>
+              <a:t>“if” would execute a block of code if the condition is true</a:t>
+            </a:r>
+          </a:p>
+          <a:p>
+            <a:r>
+              <a:rPr lang="en-US" dirty="0"/>
+              <a:t>“else if” would setup a new condition, if the first “if” is false</a:t>
+            </a:r>
+          </a:p>
+          <a:p>
+            <a:r>
+              <a:rPr lang="en-US" dirty="0"/>
+              <a:t>“else” code within this block would execute, if the above conditions are not satisfied.</a:t>
+            </a:r>
+          </a:p>
+          <a:p>
+            <a:r>
+              <a:rPr lang="en-US" dirty="0"/>
+              <a:t>Demo</a:t>
+            </a:r>
+          </a:p>
+        </p:txBody>
+      </p:sp>
+      <p:pic>
+        <p:nvPicPr>
+          <p:cNvPr id="5" name="Picture 4" descr="A screenshot of a computer&#10;&#10;Description automatically generated with medium confidence">
+            <a:extLst>
+              <a:ext uri="{FF2B5EF4-FFF2-40B4-BE49-F238E27FC236}">
+                <a16:creationId xmlns:a16="http://schemas.microsoft.com/office/drawing/2014/main" id="{640460F3-3E6D-463F-9483-887B762DE21E}"/>
+              </a:ext>
+            </a:extLst>
+          </p:cNvPr>
+          <p:cNvPicPr>
+            <a:picLocks noChangeAspect="1"/>
+          </p:cNvPicPr>
+          <p:nvPr/>
+        </p:nvPicPr>
+        <p:blipFill>
+          <a:blip r:embed="rId2">
+            <a:extLst>
+              <a:ext uri="{28A0092B-C50C-407E-A947-70E740481C1C}">
+                <a14:useLocalDpi xmlns:a14="http://schemas.microsoft.com/office/drawing/2010/main" val="0"/>
+              </a:ext>
+            </a:extLst>
+          </a:blip>
+          <a:stretch>
+            <a:fillRect/>
+          </a:stretch>
+        </p:blipFill>
+        <p:spPr>
+          <a:xfrm>
+            <a:off x="2314717" y="3698391"/>
+            <a:ext cx="5735774" cy="2928002"/>
+          </a:xfrm>
+          <a:prstGeom prst="rect">
+            <a:avLst/>
+          </a:prstGeom>
+        </p:spPr>
+      </p:pic>
+    </p:spTree>
+    <p:extLst>
+      <p:ext uri="{BB962C8B-B14F-4D97-AF65-F5344CB8AC3E}">
+        <p14:creationId xmlns:p14="http://schemas.microsoft.com/office/powerpoint/2010/main" val="4234017641"/>
+      </p:ext>
+    </p:extLst>
+  </p:cSld>
+  <p:clrMapOvr>
+    <a:masterClrMapping/>
+  </p:clrMapOvr>
+  <p:timing>
+    <p:tnLst>
+      <p:par>
+        <p:cTn id="1" dur="indefinite" restart="never" nodeType="tmRoot">
+          <p:childTnLst>
+            <p:seq concurrent="1" nextAc="seek">
+              <p:cTn id="2" dur="indefinite" nodeType="mainSeq">
+                <p:childTnLst>
+                  <p:par>
+                    <p:cTn id="3" fill="hold">
+                      <p:stCondLst>
+                        <p:cond delay="indefinite"/>
+                      </p:stCondLst>
+                      <p:childTnLst>
+                        <p:par>
+                          <p:cTn id="4" fill="hold">
+                            <p:stCondLst>
+                              <p:cond delay="0"/>
+                            </p:stCondLst>
+                            <p:childTnLst>
+                              <p:par>
+                                <p:cTn id="5" presetID="1" presetClass="entr" presetSubtype="0" fill="hold" grpId="0" nodeType="clickEffect">
+                                  <p:stCondLst>
+                                    <p:cond delay="0"/>
+                                  </p:stCondLst>
+                                  <p:childTnLst>
+                                    <p:set>
+                                      <p:cBhvr>
+                                        <p:cTn id="6" dur="1" fill="hold">
+                                          <p:stCondLst>
+                                            <p:cond delay="0"/>
+                                          </p:stCondLst>
+                                        </p:cTn>
+                                        <p:tgtEl>
+                                          <p:spTgt spid="3">
+                                            <p:txEl>
+                                              <p:pRg st="0" end="0"/>
+                                            </p:txEl>
+                                          </p:spTgt>
+                                        </p:tgtEl>
+                                        <p:attrNameLst>
+                                          <p:attrName>style.visibility</p:attrName>
+                                        </p:attrNameLst>
+                                      </p:cBhvr>
+                                      <p:to>
+                                        <p:strVal val="visible"/>
+                                      </p:to>
+                                    </p:set>
+                                  </p:childTnLst>
+                                </p:cTn>
+                              </p:par>
+                            </p:childTnLst>
+                          </p:cTn>
+                        </p:par>
+                      </p:childTnLst>
+                    </p:cTn>
+                  </p:par>
+                  <p:par>
+                    <p:cTn id="7" fill="hold">
+                      <p:stCondLst>
+                        <p:cond delay="indefinite"/>
+                      </p:stCondLst>
+                      <p:childTnLst>
+                        <p:par>
+                          <p:cTn id="8" fill="hold">
+                            <p:stCondLst>
+                              <p:cond delay="0"/>
+                            </p:stCondLst>
+                            <p:childTnLst>
+                              <p:par>
+                                <p:cTn id="9" presetID="1" presetClass="entr" presetSubtype="0" fill="hold" grpId="0" nodeType="clickEffect">
+                                  <p:stCondLst>
+                                    <p:cond delay="0"/>
+                                  </p:stCondLst>
+                                  <p:childTnLst>
+                                    <p:set>
+                                      <p:cBhvr>
+                                        <p:cTn id="10" dur="1" fill="hold">
+                                          <p:stCondLst>
+                                            <p:cond delay="0"/>
+                                          </p:stCondLst>
+                                        </p:cTn>
+                                        <p:tgtEl>
+                                          <p:spTgt spid="3">
+                                            <p:txEl>
+                                              <p:pRg st="1" end="1"/>
+                                            </p:txEl>
+                                          </p:spTgt>
+                                        </p:tgtEl>
+                                        <p:attrNameLst>
+                                          <p:attrName>style.visibility</p:attrName>
+                                        </p:attrNameLst>
+                                      </p:cBhvr>
+                                      <p:to>
+                                        <p:strVal val="visible"/>
+                                      </p:to>
+                                    </p:set>
+                                  </p:childTnLst>
+                                </p:cTn>
+                              </p:par>
+                            </p:childTnLst>
+                          </p:cTn>
+                        </p:par>
+                      </p:childTnLst>
+                    </p:cTn>
+                  </p:par>
+                  <p:par>
+                    <p:cTn id="11" fill="hold">
+                      <p:stCondLst>
+                        <p:cond delay="indefinite"/>
+                      </p:stCondLst>
+                      <p:childTnLst>
+                        <p:par>
+                          <p:cTn id="12" fill="hold">
+                            <p:stCondLst>
+                              <p:cond delay="0"/>
+                            </p:stCondLst>
+                            <p:childTnLst>
+                              <p:par>
+                                <p:cTn id="13" presetID="1" presetClass="entr" presetSubtype="0" fill="hold" grpId="0" nodeType="clickEffect">
+                                  <p:stCondLst>
+                                    <p:cond delay="0"/>
+                                  </p:stCondLst>
+                                  <p:childTnLst>
+                                    <p:set>
+                                      <p:cBhvr>
+                                        <p:cTn id="14" dur="1" fill="hold">
+                                          <p:stCondLst>
+                                            <p:cond delay="0"/>
+                                          </p:stCondLst>
+                                        </p:cTn>
+                                        <p:tgtEl>
+                                          <p:spTgt spid="3">
+                                            <p:txEl>
+                                              <p:pRg st="2" end="2"/>
+                                            </p:txEl>
+                                          </p:spTgt>
+                                        </p:tgtEl>
+                                        <p:attrNameLst>
+                                          <p:attrName>style.visibility</p:attrName>
+                                        </p:attrNameLst>
+                                      </p:cBhvr>
+                                      <p:to>
+                                        <p:strVal val="visible"/>
+                                      </p:to>
+                                    </p:set>
+                                  </p:childTnLst>
+                                </p:cTn>
+                              </p:par>
+                            </p:childTnLst>
+                          </p:cTn>
+                        </p:par>
+                      </p:childTnLst>
+                    </p:cTn>
+                  </p:par>
+                  <p:par>
+                    <p:cTn id="15" fill="hold">
+                      <p:stCondLst>
+                        <p:cond delay="indefinite"/>
+                      </p:stCondLst>
+                      <p:childTnLst>
+                        <p:par>
+                          <p:cTn id="16" fill="hold">
+                            <p:stCondLst>
+                              <p:cond delay="0"/>
+                            </p:stCondLst>
+                            <p:childTnLst>
+                              <p:par>
+                                <p:cTn id="17" presetID="1" presetClass="entr" presetSubtype="0" fill="hold" grpId="0" nodeType="clickEffect">
+                                  <p:stCondLst>
+                                    <p:cond delay="0"/>
+                                  </p:stCondLst>
+                                  <p:childTnLst>
+                                    <p:set>
+                                      <p:cBhvr>
+                                        <p:cTn id="18" dur="1" fill="hold">
+                                          <p:stCondLst>
+                                            <p:cond delay="0"/>
+                                          </p:stCondLst>
+                                        </p:cTn>
+                                        <p:tgtEl>
+                                          <p:spTgt spid="3">
+                                            <p:txEl>
+                                              <p:pRg st="3" end="3"/>
+                                            </p:txEl>
+                                          </p:spTgt>
+                                        </p:tgtEl>
+                                        <p:attrNameLst>
+                                          <p:attrName>style.visibility</p:attrName>
+                                        </p:attrNameLst>
+                                      </p:cBhvr>
+                                      <p:to>
+                                        <p:strVal val="visible"/>
+                                      </p:to>
+                                    </p:set>
+                                  </p:childTnLst>
+                                </p:cTn>
+                              </p:par>
+                            </p:childTnLst>
+                          </p:cTn>
+                        </p:par>
+                      </p:childTnLst>
+                    </p:cTn>
+                  </p:par>
+                  <p:par>
+                    <p:cTn id="19" fill="hold">
+                      <p:stCondLst>
+                        <p:cond delay="indefinite"/>
+                      </p:stCondLst>
+                      <p:childTnLst>
+                        <p:par>
+                          <p:cTn id="20" fill="hold">
+                            <p:stCondLst>
+                              <p:cond delay="0"/>
+                            </p:stCondLst>
+                            <p:childTnLst>
+                              <p:par>
+                                <p:cTn id="21" presetID="1" presetClass="entr" presetSubtype="0" fill="hold" nodeType="clickEffect">
+                                  <p:stCondLst>
+                                    <p:cond delay="0"/>
+                                  </p:stCondLst>
+                                  <p:childTnLst>
+                                    <p:set>
+                                      <p:cBhvr>
+                                        <p:cTn id="22" dur="1" fill="hold">
+                                          <p:stCondLst>
+                                            <p:cond delay="0"/>
+                                          </p:stCondLst>
+                                        </p:cTn>
+                                        <p:tgtEl>
+                                          <p:spTgt spid="5"/>
+                                        </p:tgtEl>
+                                        <p:attrNameLst>
+                                          <p:attrName>style.visibility</p:attrName>
+                                        </p:attrNameLst>
+                                      </p:cBhvr>
+                                      <p:to>
+                                        <p:strVal val="visible"/>
+                                      </p:to>
+                                    </p:set>
+                                  </p:childTnLst>
+                                </p:cTn>
+                              </p:par>
+                            </p:childTnLst>
+                          </p:cTn>
+                        </p:par>
+                      </p:childTnLst>
+                    </p:cTn>
+                  </p:par>
+                </p:childTnLst>
+              </p:cTn>
+              <p:prevCondLst>
+                <p:cond evt="onPrev" delay="0">
+                  <p:tgtEl>
+                    <p:sldTgt/>
+                  </p:tgtEl>
+                </p:cond>
+              </p:prevCondLst>
+              <p:nextCondLst>
+                <p:cond evt="onNext" delay="0">
+                  <p:tgtEl>
+                    <p:sldTgt/>
+                  </p:tgtEl>
+                </p:cond>
+              </p:nextCondLst>
+            </p:seq>
+          </p:childTnLst>
+        </p:cTn>
+      </p:par>
+    </p:tnLst>
+    <p:bldLst>
+      <p:bldP spid="3" grpId="0" build="p"/>
+    </p:bldLst>
+  </p:timing>
+</p:sld>
+</file>
+
+<file path=ppt/slides/slide13.xml><?xml version="1.0" encoding="utf-8"?>
+<p:sld xmlns:a="http://schemas.openxmlformats.org/drawingml/2006/main" xmlns:r="http://schemas.openxmlformats.org/officeDocument/2006/relationships" xmlns:p="http://schemas.openxmlformats.org/presentationml/2006/main">
+  <p:cSld>
+    <p:spTree>
+      <p:nvGrpSpPr>
+        <p:cNvPr id="1" name=""/>
+        <p:cNvGrpSpPr/>
+        <p:nvPr/>
+      </p:nvGrpSpPr>
+      <p:grpSpPr>
+        <a:xfrm>
+          <a:off x="0" y="0"/>
+          <a:ext cx="0" cy="0"/>
+          <a:chOff x="0" y="0"/>
+          <a:chExt cx="0" cy="0"/>
+        </a:xfrm>
+      </p:grpSpPr>
+      <p:sp>
+        <p:nvSpPr>
+          <p:cNvPr id="2" name="Title 1">
+            <a:extLst>
+              <a:ext uri="{FF2B5EF4-FFF2-40B4-BE49-F238E27FC236}">
                 <a16:creationId xmlns:a16="http://schemas.microsoft.com/office/drawing/2014/main" id="{B0A12320-A172-4D55-B95F-EDF92C5A4B46}"/>
               </a:ext>
             </a:extLst>
@@ -4352,7 +4424,7 @@
 </p:sld>
 </file>
 
-<file path=ppt/slides/slide13.xml><?xml version="1.0" encoding="utf-8"?>
+<file path=ppt/slides/slide14.xml><?xml version="1.0" encoding="utf-8"?>
 <p:sld xmlns:a="http://schemas.openxmlformats.org/drawingml/2006/main" xmlns:r="http://schemas.openxmlformats.org/officeDocument/2006/relationships" xmlns:p="http://schemas.openxmlformats.org/presentationml/2006/main">
   <p:cSld>
     <p:spTree>
@@ -4917,7 +4989,7 @@
 </p:sld>
 </file>
 
-<file path=ppt/slides/slide14.xml><?xml version="1.0" encoding="utf-8"?>
+<file path=ppt/slides/slide15.xml><?xml version="1.0" encoding="utf-8"?>
 <p:sld xmlns:a="http://schemas.openxmlformats.org/drawingml/2006/main" xmlns:r="http://schemas.openxmlformats.org/officeDocument/2006/relationships" xmlns:p="http://schemas.openxmlformats.org/presentationml/2006/main">
   <p:cSld>
     <p:spTree>
@@ -5085,7 +5157,7 @@
 </p:sld>
 </file>
 
-<file path=ppt/slides/slide15.xml><?xml version="1.0" encoding="utf-8"?>
+<file path=ppt/slides/slide16.xml><?xml version="1.0" encoding="utf-8"?>
 <p:sld xmlns:a="http://schemas.openxmlformats.org/drawingml/2006/main" xmlns:r="http://schemas.openxmlformats.org/officeDocument/2006/relationships" xmlns:p="http://schemas.openxmlformats.org/presentationml/2006/main">
   <p:cSld>
     <p:spTree>
@@ -5178,7 +5250,7 @@
 </p:sld>
 </file>
 
-<file path=ppt/slides/slide16.xml><?xml version="1.0" encoding="utf-8"?>
+<file path=ppt/slides/slide17.xml><?xml version="1.0" encoding="utf-8"?>
 <p:sld xmlns:a="http://schemas.openxmlformats.org/drawingml/2006/main" xmlns:r="http://schemas.openxmlformats.org/officeDocument/2006/relationships" xmlns:p="http://schemas.openxmlformats.org/presentationml/2006/main">
   <p:cSld>
     <p:spTree>
@@ -5476,7 +5548,7 @@
 </p:sld>
 </file>
 
-<file path=ppt/slides/slide17.xml><?xml version="1.0" encoding="utf-8"?>
+<file path=ppt/slides/slide18.xml><?xml version="1.0" encoding="utf-8"?>
 <p:sld xmlns:a="http://schemas.openxmlformats.org/drawingml/2006/main" xmlns:r="http://schemas.openxmlformats.org/officeDocument/2006/relationships" xmlns:p="http://schemas.openxmlformats.org/presentationml/2006/main">
   <p:cSld>
     <p:spTree>
@@ -5879,7 +5951,7 @@
 </p:sld>
 </file>
 
-<file path=ppt/slides/slide18.xml><?xml version="1.0" encoding="utf-8"?>
+<file path=ppt/slides/slide19.xml><?xml version="1.0" encoding="utf-8"?>
 <p:sld xmlns:a="http://schemas.openxmlformats.org/drawingml/2006/main" xmlns:r="http://schemas.openxmlformats.org/officeDocument/2006/relationships" xmlns:p="http://schemas.openxmlformats.org/presentationml/2006/main">
   <p:cSld>
     <p:spTree>
@@ -6162,7 +6234,297 @@
 </p:sld>
 </file>
 
-<file path=ppt/slides/slide19.xml><?xml version="1.0" encoding="utf-8"?>
+<file path=ppt/slides/slide2.xml><?xml version="1.0" encoding="utf-8"?>
+<p:sld xmlns:a="http://schemas.openxmlformats.org/drawingml/2006/main" xmlns:r="http://schemas.openxmlformats.org/officeDocument/2006/relationships" xmlns:p="http://schemas.openxmlformats.org/presentationml/2006/main">
+  <p:cSld>
+    <p:spTree>
+      <p:nvGrpSpPr>
+        <p:cNvPr id="1" name=""/>
+        <p:cNvGrpSpPr/>
+        <p:nvPr/>
+      </p:nvGrpSpPr>
+      <p:grpSpPr>
+        <a:xfrm>
+          <a:off x="0" y="0"/>
+          <a:ext cx="0" cy="0"/>
+          <a:chOff x="0" y="0"/>
+          <a:chExt cx="0" cy="0"/>
+        </a:xfrm>
+      </p:grpSpPr>
+      <p:sp>
+        <p:nvSpPr>
+          <p:cNvPr id="2" name="Title 1">
+            <a:extLst>
+              <a:ext uri="{FF2B5EF4-FFF2-40B4-BE49-F238E27FC236}">
+                <a16:creationId xmlns:a16="http://schemas.microsoft.com/office/drawing/2014/main" id="{20DAEAFC-6282-4253-A5CD-986CCD8A80E3}"/>
+              </a:ext>
+            </a:extLst>
+          </p:cNvPr>
+          <p:cNvSpPr>
+            <a:spLocks noGrp="1"/>
+          </p:cNvSpPr>
+          <p:nvPr>
+            <p:ph type="title"/>
+          </p:nvPr>
+        </p:nvSpPr>
+        <p:spPr/>
+        <p:txBody>
+          <a:bodyPr/>
+          <a:lstStyle/>
+          <a:p>
+            <a:r>
+              <a:rPr lang="en-US" dirty="0"/>
+              <a:t>Introduction</a:t>
+            </a:r>
+          </a:p>
+        </p:txBody>
+      </p:sp>
+      <p:sp>
+        <p:nvSpPr>
+          <p:cNvPr id="3" name="Content Placeholder 2">
+            <a:extLst>
+              <a:ext uri="{FF2B5EF4-FFF2-40B4-BE49-F238E27FC236}">
+                <a16:creationId xmlns:a16="http://schemas.microsoft.com/office/drawing/2014/main" id="{CC045EB7-26D4-4F7C-AE4C-1BB59671ED20}"/>
+              </a:ext>
+            </a:extLst>
+          </p:cNvPr>
+          <p:cNvSpPr>
+            <a:spLocks noGrp="1"/>
+          </p:cNvSpPr>
+          <p:nvPr>
+            <p:ph idx="1"/>
+          </p:nvPr>
+        </p:nvSpPr>
+        <p:spPr/>
+        <p:txBody>
+          <a:bodyPr/>
+          <a:lstStyle/>
+          <a:p>
+            <a:r>
+              <a:rPr lang="en-US" dirty="0"/>
+              <a:t>Basic logics and syntax, and how to compile our scripts (codes).</a:t>
+            </a:r>
+          </a:p>
+          <a:p>
+            <a:pPr marL="0" indent="0">
+              <a:buNone/>
+            </a:pPr>
+            <a:endParaRPr lang="en-US" dirty="0"/>
+          </a:p>
+          <a:p>
+            <a:r>
+              <a:rPr lang="en-US" dirty="0"/>
+              <a:t>Working on a basic calculator code to get hands on experience.</a:t>
+            </a:r>
+          </a:p>
+          <a:p>
+            <a:pPr marL="0" indent="0">
+              <a:buNone/>
+            </a:pPr>
+            <a:endParaRPr lang="en-US" dirty="0"/>
+          </a:p>
+          <a:p>
+            <a:r>
+              <a:rPr lang="en-US" dirty="0"/>
+              <a:t>Possibly go through a bit of basic web application process.</a:t>
+            </a:r>
+          </a:p>
+        </p:txBody>
+      </p:sp>
+    </p:spTree>
+    <p:extLst>
+      <p:ext uri="{BB962C8B-B14F-4D97-AF65-F5344CB8AC3E}">
+        <p14:creationId xmlns:p14="http://schemas.microsoft.com/office/powerpoint/2010/main" val="2495014187"/>
+      </p:ext>
+    </p:extLst>
+  </p:cSld>
+  <p:clrMapOvr>
+    <a:masterClrMapping/>
+  </p:clrMapOvr>
+  <p:timing>
+    <p:tnLst>
+      <p:par>
+        <p:cTn id="1" dur="indefinite" restart="never" nodeType="tmRoot">
+          <p:childTnLst>
+            <p:seq concurrent="1" nextAc="seek">
+              <p:cTn id="2" dur="indefinite" nodeType="mainSeq">
+                <p:childTnLst>
+                  <p:par>
+                    <p:cTn id="3" fill="hold">
+                      <p:stCondLst>
+                        <p:cond delay="indefinite"/>
+                      </p:stCondLst>
+                      <p:childTnLst>
+                        <p:par>
+                          <p:cTn id="4" fill="hold">
+                            <p:stCondLst>
+                              <p:cond delay="0"/>
+                            </p:stCondLst>
+                            <p:childTnLst>
+                              <p:par>
+                                <p:cTn id="5" presetID="1" presetClass="entr" presetSubtype="0" fill="hold" grpId="0" nodeType="clickEffect">
+                                  <p:stCondLst>
+                                    <p:cond delay="0"/>
+                                  </p:stCondLst>
+                                  <p:childTnLst>
+                                    <p:set>
+                                      <p:cBhvr>
+                                        <p:cTn id="6" dur="1" fill="hold">
+                                          <p:stCondLst>
+                                            <p:cond delay="0"/>
+                                          </p:stCondLst>
+                                        </p:cTn>
+                                        <p:tgtEl>
+                                          <p:spTgt spid="3">
+                                            <p:txEl>
+                                              <p:pRg st="0" end="0"/>
+                                            </p:txEl>
+                                          </p:spTgt>
+                                        </p:tgtEl>
+                                        <p:attrNameLst>
+                                          <p:attrName>style.visibility</p:attrName>
+                                        </p:attrNameLst>
+                                      </p:cBhvr>
+                                      <p:to>
+                                        <p:strVal val="visible"/>
+                                      </p:to>
+                                    </p:set>
+                                  </p:childTnLst>
+                                </p:cTn>
+                              </p:par>
+                            </p:childTnLst>
+                          </p:cTn>
+                        </p:par>
+                      </p:childTnLst>
+                    </p:cTn>
+                  </p:par>
+                  <p:par>
+                    <p:cTn id="7" fill="hold">
+                      <p:stCondLst>
+                        <p:cond delay="indefinite"/>
+                      </p:stCondLst>
+                      <p:childTnLst>
+                        <p:par>
+                          <p:cTn id="8" fill="hold">
+                            <p:stCondLst>
+                              <p:cond delay="0"/>
+                            </p:stCondLst>
+                            <p:childTnLst>
+                              <p:par>
+                                <p:cTn id="9" presetID="1" presetClass="entr" presetSubtype="0" fill="hold" grpId="0" nodeType="clickEffect">
+                                  <p:stCondLst>
+                                    <p:cond delay="0"/>
+                                  </p:stCondLst>
+                                  <p:childTnLst>
+                                    <p:set>
+                                      <p:cBhvr>
+                                        <p:cTn id="10" dur="1" fill="hold">
+                                          <p:stCondLst>
+                                            <p:cond delay="0"/>
+                                          </p:stCondLst>
+                                        </p:cTn>
+                                        <p:tgtEl>
+                                          <p:spTgt spid="3">
+                                            <p:txEl>
+                                              <p:pRg st="2" end="2"/>
+                                            </p:txEl>
+                                          </p:spTgt>
+                                        </p:tgtEl>
+                                        <p:attrNameLst>
+                                          <p:attrName>style.visibility</p:attrName>
+                                        </p:attrNameLst>
+                                      </p:cBhvr>
+                                      <p:to>
+                                        <p:strVal val="visible"/>
+                                      </p:to>
+                                    </p:set>
+                                  </p:childTnLst>
+                                </p:cTn>
+                              </p:par>
+                            </p:childTnLst>
+                          </p:cTn>
+                        </p:par>
+                      </p:childTnLst>
+                    </p:cTn>
+                  </p:par>
+                  <p:par>
+                    <p:cTn id="11" fill="hold">
+                      <p:stCondLst>
+                        <p:cond delay="indefinite"/>
+                      </p:stCondLst>
+                      <p:childTnLst>
+                        <p:par>
+                          <p:cTn id="12" fill="hold">
+                            <p:stCondLst>
+                              <p:cond delay="0"/>
+                            </p:stCondLst>
+                            <p:childTnLst>
+                              <p:par>
+                                <p:cTn id="13" presetID="1" presetClass="entr" presetSubtype="0" fill="hold" grpId="0" nodeType="clickEffect">
+                                  <p:stCondLst>
+                                    <p:cond delay="0"/>
+                                  </p:stCondLst>
+                                  <p:childTnLst>
+                                    <p:set>
+                                      <p:cBhvr>
+                                        <p:cTn id="14" dur="1" fill="hold">
+                                          <p:stCondLst>
+                                            <p:cond delay="0"/>
+                                          </p:stCondLst>
+                                        </p:cTn>
+                                        <p:tgtEl>
+                                          <p:spTgt spid="3">
+                                            <p:txEl>
+                                              <p:pRg st="4" end="4"/>
+                                            </p:txEl>
+                                          </p:spTgt>
+                                        </p:tgtEl>
+                                        <p:attrNameLst>
+                                          <p:attrName>style.visibility</p:attrName>
+                                        </p:attrNameLst>
+                                      </p:cBhvr>
+                                      <p:to>
+                                        <p:strVal val="visible"/>
+                                      </p:to>
+                                    </p:set>
+                                  </p:childTnLst>
+                                </p:cTn>
+                              </p:par>
+                            </p:childTnLst>
+                          </p:cTn>
+                        </p:par>
+                      </p:childTnLst>
+                    </p:cTn>
+                  </p:par>
+                </p:childTnLst>
+              </p:cTn>
+              <p:prevCondLst>
+                <p:cond evt="onPrev" delay="0">
+                  <p:tgtEl>
+                    <p:sldTgt/>
+                  </p:tgtEl>
+                </p:cond>
+              </p:prevCondLst>
+              <p:nextCondLst>
+                <p:cond evt="onNext" delay="0">
+                  <p:tgtEl>
+                    <p:sldTgt/>
+                  </p:tgtEl>
+                </p:cond>
+              </p:nextCondLst>
+            </p:seq>
+          </p:childTnLst>
+        </p:cTn>
+      </p:par>
+    </p:tnLst>
+    <p:bldLst>
+      <p:bldP spid="3" grpId="0" build="p"/>
+    </p:bldLst>
+  </p:timing>
+</p:sld>
+</file>
+
+<file path=ppt/slides/slide20.xml><?xml version="1.0" encoding="utf-8"?>
 <p:sld xmlns:a="http://schemas.openxmlformats.org/drawingml/2006/main" xmlns:r="http://schemas.openxmlformats.org/officeDocument/2006/relationships" xmlns:p="http://schemas.openxmlformats.org/presentationml/2006/main">
   <p:cSld>
     <p:spTree>
@@ -6471,296 +6833,6 @@
                                           <p:spTgt spid="3">
                                             <p:txEl>
                                               <p:pRg st="3" end="3"/>
-                                            </p:txEl>
-                                          </p:spTgt>
-                                        </p:tgtEl>
-                                        <p:attrNameLst>
-                                          <p:attrName>style.visibility</p:attrName>
-                                        </p:attrNameLst>
-                                      </p:cBhvr>
-                                      <p:to>
-                                        <p:strVal val="visible"/>
-                                      </p:to>
-                                    </p:set>
-                                  </p:childTnLst>
-                                </p:cTn>
-                              </p:par>
-                            </p:childTnLst>
-                          </p:cTn>
-                        </p:par>
-                      </p:childTnLst>
-                    </p:cTn>
-                  </p:par>
-                </p:childTnLst>
-              </p:cTn>
-              <p:prevCondLst>
-                <p:cond evt="onPrev" delay="0">
-                  <p:tgtEl>
-                    <p:sldTgt/>
-                  </p:tgtEl>
-                </p:cond>
-              </p:prevCondLst>
-              <p:nextCondLst>
-                <p:cond evt="onNext" delay="0">
-                  <p:tgtEl>
-                    <p:sldTgt/>
-                  </p:tgtEl>
-                </p:cond>
-              </p:nextCondLst>
-            </p:seq>
-          </p:childTnLst>
-        </p:cTn>
-      </p:par>
-    </p:tnLst>
-    <p:bldLst>
-      <p:bldP spid="3" grpId="0" build="p"/>
-    </p:bldLst>
-  </p:timing>
-</p:sld>
-</file>
-
-<file path=ppt/slides/slide2.xml><?xml version="1.0" encoding="utf-8"?>
-<p:sld xmlns:a="http://schemas.openxmlformats.org/drawingml/2006/main" xmlns:r="http://schemas.openxmlformats.org/officeDocument/2006/relationships" xmlns:p="http://schemas.openxmlformats.org/presentationml/2006/main">
-  <p:cSld>
-    <p:spTree>
-      <p:nvGrpSpPr>
-        <p:cNvPr id="1" name=""/>
-        <p:cNvGrpSpPr/>
-        <p:nvPr/>
-      </p:nvGrpSpPr>
-      <p:grpSpPr>
-        <a:xfrm>
-          <a:off x="0" y="0"/>
-          <a:ext cx="0" cy="0"/>
-          <a:chOff x="0" y="0"/>
-          <a:chExt cx="0" cy="0"/>
-        </a:xfrm>
-      </p:grpSpPr>
-      <p:sp>
-        <p:nvSpPr>
-          <p:cNvPr id="2" name="Title 1">
-            <a:extLst>
-              <a:ext uri="{FF2B5EF4-FFF2-40B4-BE49-F238E27FC236}">
-                <a16:creationId xmlns:a16="http://schemas.microsoft.com/office/drawing/2014/main" id="{20DAEAFC-6282-4253-A5CD-986CCD8A80E3}"/>
-              </a:ext>
-            </a:extLst>
-          </p:cNvPr>
-          <p:cNvSpPr>
-            <a:spLocks noGrp="1"/>
-          </p:cNvSpPr>
-          <p:nvPr>
-            <p:ph type="title"/>
-          </p:nvPr>
-        </p:nvSpPr>
-        <p:spPr/>
-        <p:txBody>
-          <a:bodyPr/>
-          <a:lstStyle/>
-          <a:p>
-            <a:r>
-              <a:rPr lang="en-US" dirty="0"/>
-              <a:t>Introduction</a:t>
-            </a:r>
-          </a:p>
-        </p:txBody>
-      </p:sp>
-      <p:sp>
-        <p:nvSpPr>
-          <p:cNvPr id="3" name="Content Placeholder 2">
-            <a:extLst>
-              <a:ext uri="{FF2B5EF4-FFF2-40B4-BE49-F238E27FC236}">
-                <a16:creationId xmlns:a16="http://schemas.microsoft.com/office/drawing/2014/main" id="{CC045EB7-26D4-4F7C-AE4C-1BB59671ED20}"/>
-              </a:ext>
-            </a:extLst>
-          </p:cNvPr>
-          <p:cNvSpPr>
-            <a:spLocks noGrp="1"/>
-          </p:cNvSpPr>
-          <p:nvPr>
-            <p:ph idx="1"/>
-          </p:nvPr>
-        </p:nvSpPr>
-        <p:spPr/>
-        <p:txBody>
-          <a:bodyPr/>
-          <a:lstStyle/>
-          <a:p>
-            <a:r>
-              <a:rPr lang="en-US" dirty="0"/>
-              <a:t>Basic logics and syntax, and how to compile our scripts (codes).</a:t>
-            </a:r>
-          </a:p>
-          <a:p>
-            <a:pPr marL="0" indent="0">
-              <a:buNone/>
-            </a:pPr>
-            <a:endParaRPr lang="en-US" dirty="0"/>
-          </a:p>
-          <a:p>
-            <a:r>
-              <a:rPr lang="en-US" dirty="0"/>
-              <a:t>Working on a basic calculator code to get hands on experience.</a:t>
-            </a:r>
-          </a:p>
-          <a:p>
-            <a:pPr marL="0" indent="0">
-              <a:buNone/>
-            </a:pPr>
-            <a:endParaRPr lang="en-US" dirty="0"/>
-          </a:p>
-          <a:p>
-            <a:r>
-              <a:rPr lang="en-US" dirty="0"/>
-              <a:t>Possibly go through a bit of basic web application process.</a:t>
-            </a:r>
-          </a:p>
-        </p:txBody>
-      </p:sp>
-    </p:spTree>
-    <p:extLst>
-      <p:ext uri="{BB962C8B-B14F-4D97-AF65-F5344CB8AC3E}">
-        <p14:creationId xmlns:p14="http://schemas.microsoft.com/office/powerpoint/2010/main" val="2495014187"/>
-      </p:ext>
-    </p:extLst>
-  </p:cSld>
-  <p:clrMapOvr>
-    <a:masterClrMapping/>
-  </p:clrMapOvr>
-  <p:timing>
-    <p:tnLst>
-      <p:par>
-        <p:cTn id="1" dur="indefinite" restart="never" nodeType="tmRoot">
-          <p:childTnLst>
-            <p:seq concurrent="1" nextAc="seek">
-              <p:cTn id="2" dur="indefinite" nodeType="mainSeq">
-                <p:childTnLst>
-                  <p:par>
-                    <p:cTn id="3" fill="hold">
-                      <p:stCondLst>
-                        <p:cond delay="indefinite"/>
-                      </p:stCondLst>
-                      <p:childTnLst>
-                        <p:par>
-                          <p:cTn id="4" fill="hold">
-                            <p:stCondLst>
-                              <p:cond delay="0"/>
-                            </p:stCondLst>
-                            <p:childTnLst>
-                              <p:par>
-                                <p:cTn id="5" presetID="1" presetClass="entr" presetSubtype="0" fill="hold" grpId="0" nodeType="clickEffect">
-                                  <p:stCondLst>
-                                    <p:cond delay="0"/>
-                                  </p:stCondLst>
-                                  <p:childTnLst>
-                                    <p:set>
-                                      <p:cBhvr>
-                                        <p:cTn id="6" dur="1" fill="hold">
-                                          <p:stCondLst>
-                                            <p:cond delay="0"/>
-                                          </p:stCondLst>
-                                        </p:cTn>
-                                        <p:tgtEl>
-                                          <p:spTgt spid="3">
-                                            <p:txEl>
-                                              <p:pRg st="0" end="0"/>
-                                            </p:txEl>
-                                          </p:spTgt>
-                                        </p:tgtEl>
-                                        <p:attrNameLst>
-                                          <p:attrName>style.visibility</p:attrName>
-                                        </p:attrNameLst>
-                                      </p:cBhvr>
-                                      <p:to>
-                                        <p:strVal val="visible"/>
-                                      </p:to>
-                                    </p:set>
-                                  </p:childTnLst>
-                                </p:cTn>
-                              </p:par>
-                            </p:childTnLst>
-                          </p:cTn>
-                        </p:par>
-                      </p:childTnLst>
-                    </p:cTn>
-                  </p:par>
-                  <p:par>
-                    <p:cTn id="7" fill="hold">
-                      <p:stCondLst>
-                        <p:cond delay="indefinite"/>
-                      </p:stCondLst>
-                      <p:childTnLst>
-                        <p:par>
-                          <p:cTn id="8" fill="hold">
-                            <p:stCondLst>
-                              <p:cond delay="0"/>
-                            </p:stCondLst>
-                            <p:childTnLst>
-                              <p:par>
-                                <p:cTn id="9" presetID="1" presetClass="entr" presetSubtype="0" fill="hold" grpId="0" nodeType="clickEffect">
-                                  <p:stCondLst>
-                                    <p:cond delay="0"/>
-                                  </p:stCondLst>
-                                  <p:childTnLst>
-                                    <p:set>
-                                      <p:cBhvr>
-                                        <p:cTn id="10" dur="1" fill="hold">
-                                          <p:stCondLst>
-                                            <p:cond delay="0"/>
-                                          </p:stCondLst>
-                                        </p:cTn>
-                                        <p:tgtEl>
-                                          <p:spTgt spid="3">
-                                            <p:txEl>
-                                              <p:pRg st="2" end="2"/>
-                                            </p:txEl>
-                                          </p:spTgt>
-                                        </p:tgtEl>
-                                        <p:attrNameLst>
-                                          <p:attrName>style.visibility</p:attrName>
-                                        </p:attrNameLst>
-                                      </p:cBhvr>
-                                      <p:to>
-                                        <p:strVal val="visible"/>
-                                      </p:to>
-                                    </p:set>
-                                  </p:childTnLst>
-                                </p:cTn>
-                              </p:par>
-                            </p:childTnLst>
-                          </p:cTn>
-                        </p:par>
-                      </p:childTnLst>
-                    </p:cTn>
-                  </p:par>
-                  <p:par>
-                    <p:cTn id="11" fill="hold">
-                      <p:stCondLst>
-                        <p:cond delay="indefinite"/>
-                      </p:stCondLst>
-                      <p:childTnLst>
-                        <p:par>
-                          <p:cTn id="12" fill="hold">
-                            <p:stCondLst>
-                              <p:cond delay="0"/>
-                            </p:stCondLst>
-                            <p:childTnLst>
-                              <p:par>
-                                <p:cTn id="13" presetID="1" presetClass="entr" presetSubtype="0" fill="hold" grpId="0" nodeType="clickEffect">
-                                  <p:stCondLst>
-                                    <p:cond delay="0"/>
-                                  </p:stCondLst>
-                                  <p:childTnLst>
-                                    <p:set>
-                                      <p:cBhvr>
-                                        <p:cTn id="14" dur="1" fill="hold">
-                                          <p:stCondLst>
-                                            <p:cond delay="0"/>
-                                          </p:stCondLst>
-                                        </p:cTn>
-                                        <p:tgtEl>
-                                          <p:spTgt spid="3">
-                                            <p:txEl>
-                                              <p:pRg st="4" end="4"/>
                                             </p:txEl>
                                           </p:spTgt>
                                         </p:tgtEl>
@@ -7247,7 +7319,7 @@
           <a:p>
             <a:r>
               <a:rPr lang="en-US" dirty="0"/>
-              <a:t>We will be using Nodejs as our “compiler” throughout this lecture, we will be using this to build our web application. Programming language would be JavaScript within this workshop event.</a:t>
+              <a:t>We will be using Nodejs as our “compiler” throughout this event, we will be using this to build our web application. Programming language would be JavaScript within this workshop event.</a:t>
             </a:r>
           </a:p>
           <a:p>
@@ -7263,7 +7335,7 @@
             </a:r>
             <a:r>
               <a:rPr lang="en-US" dirty="0"/>
-              <a:t> to download Nodejs Installer, and install it.</a:t>
+              <a:t> to download Nodejs Installer, and install it. (Demo)</a:t>
             </a:r>
           </a:p>
           <a:p>
@@ -7698,6 +7770,464 @@
           <p:cNvPr id="2" name="Title 1">
             <a:extLst>
               <a:ext uri="{FF2B5EF4-FFF2-40B4-BE49-F238E27FC236}">
+                <a16:creationId xmlns:a16="http://schemas.microsoft.com/office/drawing/2014/main" id="{77B950F1-4695-A14D-919D-8D6756CAE6E0}"/>
+              </a:ext>
+            </a:extLst>
+          </p:cNvPr>
+          <p:cNvSpPr>
+            <a:spLocks noGrp="1"/>
+          </p:cNvSpPr>
+          <p:nvPr>
+            <p:ph type="title"/>
+          </p:nvPr>
+        </p:nvSpPr>
+        <p:spPr/>
+        <p:txBody>
+          <a:bodyPr/>
+          <a:lstStyle/>
+          <a:p>
+            <a:r>
+              <a:rPr lang="en-US" dirty="0"/>
+              <a:t>Basic commands for terminal</a:t>
+            </a:r>
+          </a:p>
+        </p:txBody>
+      </p:sp>
+      <p:sp>
+        <p:nvSpPr>
+          <p:cNvPr id="3" name="Content Placeholder 2">
+            <a:extLst>
+              <a:ext uri="{FF2B5EF4-FFF2-40B4-BE49-F238E27FC236}">
+                <a16:creationId xmlns:a16="http://schemas.microsoft.com/office/drawing/2014/main" id="{D877A130-6B93-4841-8E42-52A980B2E0FB}"/>
+              </a:ext>
+            </a:extLst>
+          </p:cNvPr>
+          <p:cNvSpPr>
+            <a:spLocks noGrp="1"/>
+          </p:cNvSpPr>
+          <p:nvPr>
+            <p:ph idx="1"/>
+          </p:nvPr>
+        </p:nvSpPr>
+        <p:spPr>
+          <a:xfrm>
+            <a:off x="838200" y="1588770"/>
+            <a:ext cx="10515600" cy="4588193"/>
+          </a:xfrm>
+        </p:spPr>
+        <p:txBody>
+          <a:bodyPr>
+            <a:normAutofit/>
+          </a:bodyPr>
+          <a:lstStyle/>
+          <a:p>
+            <a:r>
+              <a:rPr lang="en-US" dirty="0"/>
+              <a:t>Before we proceed further to use compiler, we need to learn some basics terminal commands.</a:t>
+            </a:r>
+          </a:p>
+          <a:p>
+            <a:r>
+              <a:rPr lang="en-US" dirty="0"/>
+              <a:t>Terminal – text-based interface for typing commands.</a:t>
+            </a:r>
+          </a:p>
+          <a:p>
+            <a:r>
+              <a:rPr lang="en-US" dirty="0"/>
+              <a:t>“cd” – change directory command, use to change the current working directory.</a:t>
+            </a:r>
+          </a:p>
+          <a:p>
+            <a:r>
+              <a:rPr lang="en-US" dirty="0"/>
+              <a:t>“touch” – create, change and modify files command.</a:t>
+            </a:r>
+          </a:p>
+          <a:p>
+            <a:r>
+              <a:rPr lang="en-US" dirty="0"/>
+              <a:t>“cd &lt;</a:t>
+            </a:r>
+            <a:r>
+              <a:rPr lang="en-US" dirty="0" err="1"/>
+              <a:t>pathName</a:t>
+            </a:r>
+            <a:r>
+              <a:rPr lang="en-US" dirty="0"/>
+              <a:t>&gt;” – will navigate our working directory to the path name that we provided (Demo)</a:t>
+            </a:r>
+          </a:p>
+          <a:p>
+            <a:r>
+              <a:rPr lang="en-US" dirty="0"/>
+              <a:t>“touch &lt;filename&gt;” – if the files not already exists, we will be creating a new file.</a:t>
+            </a:r>
+          </a:p>
+        </p:txBody>
+      </p:sp>
+    </p:spTree>
+    <p:extLst>
+      <p:ext uri="{BB962C8B-B14F-4D97-AF65-F5344CB8AC3E}">
+        <p14:creationId xmlns:p14="http://schemas.microsoft.com/office/powerpoint/2010/main" val="1103398151"/>
+      </p:ext>
+    </p:extLst>
+  </p:cSld>
+  <p:clrMapOvr>
+    <a:masterClrMapping/>
+  </p:clrMapOvr>
+  <p:timing>
+    <p:tnLst>
+      <p:par>
+        <p:cTn id="1" dur="indefinite" restart="never" nodeType="tmRoot">
+          <p:childTnLst>
+            <p:seq concurrent="1" nextAc="seek">
+              <p:cTn id="2" dur="indefinite" nodeType="mainSeq">
+                <p:childTnLst>
+                  <p:par>
+                    <p:cTn id="3" fill="hold">
+                      <p:stCondLst>
+                        <p:cond delay="indefinite"/>
+                      </p:stCondLst>
+                      <p:childTnLst>
+                        <p:par>
+                          <p:cTn id="4" fill="hold">
+                            <p:stCondLst>
+                              <p:cond delay="0"/>
+                            </p:stCondLst>
+                            <p:childTnLst>
+                              <p:par>
+                                <p:cTn id="5" presetID="1" presetClass="entr" presetSubtype="0" fill="hold" grpId="0" nodeType="clickEffect">
+                                  <p:stCondLst>
+                                    <p:cond delay="0"/>
+                                  </p:stCondLst>
+                                  <p:childTnLst>
+                                    <p:set>
+                                      <p:cBhvr>
+                                        <p:cTn id="6" dur="1" fill="hold">
+                                          <p:stCondLst>
+                                            <p:cond delay="0"/>
+                                          </p:stCondLst>
+                                        </p:cTn>
+                                        <p:tgtEl>
+                                          <p:spTgt spid="3">
+                                            <p:txEl>
+                                              <p:pRg st="0" end="0"/>
+                                            </p:txEl>
+                                          </p:spTgt>
+                                        </p:tgtEl>
+                                        <p:attrNameLst>
+                                          <p:attrName>style.visibility</p:attrName>
+                                        </p:attrNameLst>
+                                      </p:cBhvr>
+                                      <p:to>
+                                        <p:strVal val="visible"/>
+                                      </p:to>
+                                    </p:set>
+                                  </p:childTnLst>
+                                </p:cTn>
+                              </p:par>
+                            </p:childTnLst>
+                          </p:cTn>
+                        </p:par>
+                      </p:childTnLst>
+                    </p:cTn>
+                  </p:par>
+                  <p:par>
+                    <p:cTn id="7" fill="hold">
+                      <p:stCondLst>
+                        <p:cond delay="indefinite"/>
+                      </p:stCondLst>
+                      <p:childTnLst>
+                        <p:par>
+                          <p:cTn id="8" fill="hold">
+                            <p:stCondLst>
+                              <p:cond delay="0"/>
+                            </p:stCondLst>
+                            <p:childTnLst>
+                              <p:par>
+                                <p:cTn id="9" presetID="1" presetClass="entr" presetSubtype="0" fill="hold" grpId="0" nodeType="clickEffect">
+                                  <p:stCondLst>
+                                    <p:cond delay="0"/>
+                                  </p:stCondLst>
+                                  <p:childTnLst>
+                                    <p:set>
+                                      <p:cBhvr>
+                                        <p:cTn id="10" dur="1" fill="hold">
+                                          <p:stCondLst>
+                                            <p:cond delay="0"/>
+                                          </p:stCondLst>
+                                        </p:cTn>
+                                        <p:tgtEl>
+                                          <p:spTgt spid="3">
+                                            <p:txEl>
+                                              <p:pRg st="1" end="1"/>
+                                            </p:txEl>
+                                          </p:spTgt>
+                                        </p:tgtEl>
+                                        <p:attrNameLst>
+                                          <p:attrName>style.visibility</p:attrName>
+                                        </p:attrNameLst>
+                                      </p:cBhvr>
+                                      <p:to>
+                                        <p:strVal val="visible"/>
+                                      </p:to>
+                                    </p:set>
+                                  </p:childTnLst>
+                                </p:cTn>
+                              </p:par>
+                            </p:childTnLst>
+                          </p:cTn>
+                        </p:par>
+                      </p:childTnLst>
+                    </p:cTn>
+                  </p:par>
+                  <p:par>
+                    <p:cTn id="11" fill="hold">
+                      <p:stCondLst>
+                        <p:cond delay="indefinite"/>
+                      </p:stCondLst>
+                      <p:childTnLst>
+                        <p:par>
+                          <p:cTn id="12" fill="hold">
+                            <p:stCondLst>
+                              <p:cond delay="0"/>
+                            </p:stCondLst>
+                            <p:childTnLst>
+                              <p:par>
+                                <p:cTn id="13" presetID="1" presetClass="entr" presetSubtype="0" fill="hold" grpId="0" nodeType="clickEffect">
+                                  <p:stCondLst>
+                                    <p:cond delay="0"/>
+                                  </p:stCondLst>
+                                  <p:childTnLst>
+                                    <p:set>
+                                      <p:cBhvr>
+                                        <p:cTn id="14" dur="1" fill="hold">
+                                          <p:stCondLst>
+                                            <p:cond delay="0"/>
+                                          </p:stCondLst>
+                                        </p:cTn>
+                                        <p:tgtEl>
+                                          <p:spTgt spid="3">
+                                            <p:txEl>
+                                              <p:pRg st="2" end="2"/>
+                                            </p:txEl>
+                                          </p:spTgt>
+                                        </p:tgtEl>
+                                        <p:attrNameLst>
+                                          <p:attrName>style.visibility</p:attrName>
+                                        </p:attrNameLst>
+                                      </p:cBhvr>
+                                      <p:to>
+                                        <p:strVal val="visible"/>
+                                      </p:to>
+                                    </p:set>
+                                  </p:childTnLst>
+                                </p:cTn>
+                              </p:par>
+                            </p:childTnLst>
+                          </p:cTn>
+                        </p:par>
+                      </p:childTnLst>
+                    </p:cTn>
+                  </p:par>
+                  <p:par>
+                    <p:cTn id="15" fill="hold">
+                      <p:stCondLst>
+                        <p:cond delay="indefinite"/>
+                      </p:stCondLst>
+                      <p:childTnLst>
+                        <p:par>
+                          <p:cTn id="16" fill="hold">
+                            <p:stCondLst>
+                              <p:cond delay="0"/>
+                            </p:stCondLst>
+                            <p:childTnLst>
+                              <p:par>
+                                <p:cTn id="17" presetID="1" presetClass="entr" presetSubtype="0" fill="hold" grpId="0" nodeType="clickEffect">
+                                  <p:stCondLst>
+                                    <p:cond delay="0"/>
+                                  </p:stCondLst>
+                                  <p:childTnLst>
+                                    <p:set>
+                                      <p:cBhvr>
+                                        <p:cTn id="18" dur="1" fill="hold">
+                                          <p:stCondLst>
+                                            <p:cond delay="0"/>
+                                          </p:stCondLst>
+                                        </p:cTn>
+                                        <p:tgtEl>
+                                          <p:spTgt spid="3">
+                                            <p:txEl>
+                                              <p:pRg st="3" end="3"/>
+                                            </p:txEl>
+                                          </p:spTgt>
+                                        </p:tgtEl>
+                                        <p:attrNameLst>
+                                          <p:attrName>style.visibility</p:attrName>
+                                        </p:attrNameLst>
+                                      </p:cBhvr>
+                                      <p:to>
+                                        <p:strVal val="visible"/>
+                                      </p:to>
+                                    </p:set>
+                                  </p:childTnLst>
+                                </p:cTn>
+                              </p:par>
+                            </p:childTnLst>
+                          </p:cTn>
+                        </p:par>
+                      </p:childTnLst>
+                    </p:cTn>
+                  </p:par>
+                  <p:par>
+                    <p:cTn id="19" fill="hold">
+                      <p:stCondLst>
+                        <p:cond delay="indefinite"/>
+                      </p:stCondLst>
+                      <p:childTnLst>
+                        <p:par>
+                          <p:cTn id="20" fill="hold">
+                            <p:stCondLst>
+                              <p:cond delay="0"/>
+                            </p:stCondLst>
+                            <p:childTnLst>
+                              <p:par>
+                                <p:cTn id="21" presetID="1" presetClass="entr" presetSubtype="0" fill="hold" grpId="0" nodeType="clickEffect">
+                                  <p:stCondLst>
+                                    <p:cond delay="0"/>
+                                  </p:stCondLst>
+                                  <p:childTnLst>
+                                    <p:set>
+                                      <p:cBhvr>
+                                        <p:cTn id="22" dur="1" fill="hold">
+                                          <p:stCondLst>
+                                            <p:cond delay="0"/>
+                                          </p:stCondLst>
+                                        </p:cTn>
+                                        <p:tgtEl>
+                                          <p:spTgt spid="3">
+                                            <p:txEl>
+                                              <p:pRg st="4" end="4"/>
+                                            </p:txEl>
+                                          </p:spTgt>
+                                        </p:tgtEl>
+                                        <p:attrNameLst>
+                                          <p:attrName>style.visibility</p:attrName>
+                                        </p:attrNameLst>
+                                      </p:cBhvr>
+                                      <p:to>
+                                        <p:strVal val="visible"/>
+                                      </p:to>
+                                    </p:set>
+                                  </p:childTnLst>
+                                </p:cTn>
+                              </p:par>
+                            </p:childTnLst>
+                          </p:cTn>
+                        </p:par>
+                      </p:childTnLst>
+                    </p:cTn>
+                  </p:par>
+                  <p:par>
+                    <p:cTn id="23" fill="hold">
+                      <p:stCondLst>
+                        <p:cond delay="indefinite"/>
+                      </p:stCondLst>
+                      <p:childTnLst>
+                        <p:par>
+                          <p:cTn id="24" fill="hold">
+                            <p:stCondLst>
+                              <p:cond delay="0"/>
+                            </p:stCondLst>
+                            <p:childTnLst>
+                              <p:par>
+                                <p:cTn id="25" presetID="1" presetClass="entr" presetSubtype="0" fill="hold" grpId="0" nodeType="clickEffect">
+                                  <p:stCondLst>
+                                    <p:cond delay="0"/>
+                                  </p:stCondLst>
+                                  <p:childTnLst>
+                                    <p:set>
+                                      <p:cBhvr>
+                                        <p:cTn id="26" dur="1" fill="hold">
+                                          <p:stCondLst>
+                                            <p:cond delay="0"/>
+                                          </p:stCondLst>
+                                        </p:cTn>
+                                        <p:tgtEl>
+                                          <p:spTgt spid="3">
+                                            <p:txEl>
+                                              <p:pRg st="5" end="5"/>
+                                            </p:txEl>
+                                          </p:spTgt>
+                                        </p:tgtEl>
+                                        <p:attrNameLst>
+                                          <p:attrName>style.visibility</p:attrName>
+                                        </p:attrNameLst>
+                                      </p:cBhvr>
+                                      <p:to>
+                                        <p:strVal val="visible"/>
+                                      </p:to>
+                                    </p:set>
+                                  </p:childTnLst>
+                                </p:cTn>
+                              </p:par>
+                            </p:childTnLst>
+                          </p:cTn>
+                        </p:par>
+                      </p:childTnLst>
+                    </p:cTn>
+                  </p:par>
+                </p:childTnLst>
+              </p:cTn>
+              <p:prevCondLst>
+                <p:cond evt="onPrev" delay="0">
+                  <p:tgtEl>
+                    <p:sldTgt/>
+                  </p:tgtEl>
+                </p:cond>
+              </p:prevCondLst>
+              <p:nextCondLst>
+                <p:cond evt="onNext" delay="0">
+                  <p:tgtEl>
+                    <p:sldTgt/>
+                  </p:tgtEl>
+                </p:cond>
+              </p:nextCondLst>
+            </p:seq>
+          </p:childTnLst>
+        </p:cTn>
+      </p:par>
+    </p:tnLst>
+    <p:bldLst>
+      <p:bldP spid="3" grpId="0" build="p"/>
+    </p:bldLst>
+  </p:timing>
+</p:sld>
+</file>
+
+<file path=ppt/slides/slide6.xml><?xml version="1.0" encoding="utf-8"?>
+<p:sld xmlns:a="http://schemas.openxmlformats.org/drawingml/2006/main" xmlns:r="http://schemas.openxmlformats.org/officeDocument/2006/relationships" xmlns:p="http://schemas.openxmlformats.org/presentationml/2006/main">
+  <p:cSld>
+    <p:spTree>
+      <p:nvGrpSpPr>
+        <p:cNvPr id="1" name=""/>
+        <p:cNvGrpSpPr/>
+        <p:nvPr/>
+      </p:nvGrpSpPr>
+      <p:grpSpPr>
+        <a:xfrm>
+          <a:off x="0" y="0"/>
+          <a:ext cx="0" cy="0"/>
+          <a:chOff x="0" y="0"/>
+          <a:chExt cx="0" cy="0"/>
+        </a:xfrm>
+      </p:grpSpPr>
+      <p:sp>
+        <p:nvSpPr>
+          <p:cNvPr id="2" name="Title 1">
+            <a:extLst>
+              <a:ext uri="{FF2B5EF4-FFF2-40B4-BE49-F238E27FC236}">
                 <a16:creationId xmlns:a16="http://schemas.microsoft.com/office/drawing/2014/main" id="{85704A8C-412C-48F2-B036-11D1655D410A}"/>
               </a:ext>
             </a:extLst>
@@ -8016,7 +8546,7 @@
 </p:sld>
 </file>
 
-<file path=ppt/slides/slide6.xml><?xml version="1.0" encoding="utf-8"?>
+<file path=ppt/slides/slide7.xml><?xml version="1.0" encoding="utf-8"?>
 <p:sld xmlns:a="http://schemas.openxmlformats.org/drawingml/2006/main" xmlns:r="http://schemas.openxmlformats.org/officeDocument/2006/relationships" xmlns:p="http://schemas.openxmlformats.org/presentationml/2006/main">
   <p:cSld>
     <p:spTree>
@@ -8637,7 +9167,7 @@
 </p:sld>
 </file>
 
-<file path=ppt/slides/slide7.xml><?xml version="1.0" encoding="utf-8"?>
+<file path=ppt/slides/slide8.xml><?xml version="1.0" encoding="utf-8"?>
 <p:sld xmlns:a="http://schemas.openxmlformats.org/drawingml/2006/main" xmlns:r="http://schemas.openxmlformats.org/officeDocument/2006/relationships" xmlns:p="http://schemas.openxmlformats.org/presentationml/2006/main">
   <p:cSld>
     <p:spTree>
@@ -9072,7 +9602,7 @@
 </p:sld>
 </file>
 
-<file path=ppt/slides/slide8.xml><?xml version="1.0" encoding="utf-8"?>
+<file path=ppt/slides/slide9.xml><?xml version="1.0" encoding="utf-8"?>
 <p:sld xmlns:a="http://schemas.openxmlformats.org/drawingml/2006/main" xmlns:r="http://schemas.openxmlformats.org/officeDocument/2006/relationships" xmlns:p="http://schemas.openxmlformats.org/presentationml/2006/main">
   <p:cSld>
     <p:spTree>
@@ -9580,77 +10110,6 @@
       <p:bldP spid="8" grpId="0"/>
     </p:bldLst>
   </p:timing>
-</p:sld>
-</file>
-
-<file path=ppt/slides/slide9.xml><?xml version="1.0" encoding="utf-8"?>
-<p:sld xmlns:a="http://schemas.openxmlformats.org/drawingml/2006/main" xmlns:r="http://schemas.openxmlformats.org/officeDocument/2006/relationships" xmlns:p="http://schemas.openxmlformats.org/presentationml/2006/main">
-  <p:cSld>
-    <p:spTree>
-      <p:nvGrpSpPr>
-        <p:cNvPr id="1" name=""/>
-        <p:cNvGrpSpPr/>
-        <p:nvPr/>
-      </p:nvGrpSpPr>
-      <p:grpSpPr>
-        <a:xfrm>
-          <a:off x="0" y="0"/>
-          <a:ext cx="0" cy="0"/>
-          <a:chOff x="0" y="0"/>
-          <a:chExt cx="0" cy="0"/>
-        </a:xfrm>
-      </p:grpSpPr>
-      <p:sp>
-        <p:nvSpPr>
-          <p:cNvPr id="2" name="Title 1">
-            <a:extLst>
-              <a:ext uri="{FF2B5EF4-FFF2-40B4-BE49-F238E27FC236}">
-                <a16:creationId xmlns:a16="http://schemas.microsoft.com/office/drawing/2014/main" id="{B0A12320-A172-4D55-B95F-EDF92C5A4B46}"/>
-              </a:ext>
-            </a:extLst>
-          </p:cNvPr>
-          <p:cNvSpPr>
-            <a:spLocks noGrp="1"/>
-          </p:cNvSpPr>
-          <p:nvPr>
-            <p:ph type="title"/>
-          </p:nvPr>
-        </p:nvSpPr>
-        <p:spPr>
-          <a:xfrm>
-            <a:off x="838200" y="2766218"/>
-            <a:ext cx="10515600" cy="1325563"/>
-          </a:xfrm>
-        </p:spPr>
-        <p:txBody>
-          <a:bodyPr/>
-          <a:lstStyle/>
-          <a:p>
-            <a:pPr algn="ctr"/>
-            <a:r>
-              <a:rPr lang="en-US" dirty="0"/>
-              <a:t>Questions?</a:t>
-            </a:r>
-            <a:br>
-              <a:rPr lang="en-US" dirty="0"/>
-            </a:br>
-            <a:r>
-              <a:rPr lang="en-US" sz="2000" dirty="0"/>
-              <a:t>(more demo if needed)</a:t>
-            </a:r>
-          </a:p>
-        </p:txBody>
-      </p:sp>
-    </p:spTree>
-    <p:extLst>
-      <p:ext uri="{BB962C8B-B14F-4D97-AF65-F5344CB8AC3E}">
-        <p14:creationId xmlns:p14="http://schemas.microsoft.com/office/powerpoint/2010/main" val="3046765685"/>
-      </p:ext>
-    </p:extLst>
-  </p:cSld>
-  <p:clrMapOvr>
-    <a:masterClrMapping/>
-  </p:clrMapOvr>
 </p:sld>
 </file>
 
